--- a/texture template.pptx
+++ b/texture template.pptx
@@ -4,9 +4,15 @@
   <p:sldMasterIdLst>
     <p:sldMasterId id="2147483648" r:id="rId1"/>
   </p:sldMasterIdLst>
+  <p:notesMasterIdLst>
+    <p:notesMasterId r:id="rId7"/>
+  </p:notesMasterIdLst>
   <p:sldIdLst>
     <p:sldId id="257" r:id="rId2"/>
     <p:sldId id="258" r:id="rId3"/>
+    <p:sldId id="259" r:id="rId4"/>
+    <p:sldId id="260" r:id="rId5"/>
+    <p:sldId id="261" r:id="rId6"/>
   </p:sldIdLst>
   <p:sldSz cx="12192000" cy="6858000"/>
   <p:notesSz cx="6858000" cy="9144000"/>
@@ -105,7 +111,445 @@
       </a:defRPr>
     </a:lvl9pPr>
   </p:defaultTextStyle>
+  <p:extLst>
+    <p:ext uri="{EFAFB233-063F-42B5-8137-9DF3F51BA10A}">
+      <p15:sldGuideLst xmlns:p15="http://schemas.microsoft.com/office/powerpoint/2012/main"/>
+    </p:ext>
+  </p:extLst>
 </p:presentation>
+</file>
+
+<file path=ppt/notesMasters/notesMaster1.xml><?xml version="1.0" encoding="utf-8"?>
+<p:notesMaster xmlns:a="http://schemas.openxmlformats.org/drawingml/2006/main" xmlns:r="http://schemas.openxmlformats.org/officeDocument/2006/relationships" xmlns:p="http://schemas.openxmlformats.org/presentationml/2006/main">
+  <p:cSld>
+    <p:bg>
+      <p:bgRef idx="1001">
+        <a:schemeClr val="bg1"/>
+      </p:bgRef>
+    </p:bg>
+    <p:spTree>
+      <p:nvGrpSpPr>
+        <p:cNvPr id="1" name=""/>
+        <p:cNvGrpSpPr/>
+        <p:nvPr/>
+      </p:nvGrpSpPr>
+      <p:grpSpPr>
+        <a:xfrm>
+          <a:off x="0" y="0"/>
+          <a:ext cx="0" cy="0"/>
+          <a:chOff x="0" y="0"/>
+          <a:chExt cx="0" cy="0"/>
+        </a:xfrm>
+      </p:grpSpPr>
+      <p:sp>
+        <p:nvSpPr>
+          <p:cNvPr id="2" name="頁首版面配置區 1"/>
+          <p:cNvSpPr>
+            <a:spLocks noGrp="1"/>
+          </p:cNvSpPr>
+          <p:nvPr>
+            <p:ph type="hdr" sz="quarter"/>
+          </p:nvPr>
+        </p:nvSpPr>
+        <p:spPr>
+          <a:xfrm>
+            <a:off x="0" y="0"/>
+            <a:ext cx="2971800" cy="458788"/>
+          </a:xfrm>
+          <a:prstGeom prst="rect">
+            <a:avLst/>
+          </a:prstGeom>
+        </p:spPr>
+        <p:txBody>
+          <a:bodyPr vert="horz" lIns="91440" tIns="45720" rIns="91440" bIns="45720" rtlCol="0"/>
+          <a:lstStyle>
+            <a:lvl1pPr algn="l">
+              <a:defRPr sz="1200"/>
+            </a:lvl1pPr>
+          </a:lstStyle>
+          <a:p>
+            <a:endParaRPr lang="zh-TW" altLang="en-US"/>
+          </a:p>
+        </p:txBody>
+      </p:sp>
+      <p:sp>
+        <p:nvSpPr>
+          <p:cNvPr id="3" name="日期版面配置區 2"/>
+          <p:cNvSpPr>
+            <a:spLocks noGrp="1"/>
+          </p:cNvSpPr>
+          <p:nvPr>
+            <p:ph type="dt" idx="1"/>
+          </p:nvPr>
+        </p:nvSpPr>
+        <p:spPr>
+          <a:xfrm>
+            <a:off x="3884613" y="0"/>
+            <a:ext cx="2971800" cy="458788"/>
+          </a:xfrm>
+          <a:prstGeom prst="rect">
+            <a:avLst/>
+          </a:prstGeom>
+        </p:spPr>
+        <p:txBody>
+          <a:bodyPr vert="horz" lIns="91440" tIns="45720" rIns="91440" bIns="45720" rtlCol="0"/>
+          <a:lstStyle>
+            <a:lvl1pPr algn="r">
+              <a:defRPr sz="1200"/>
+            </a:lvl1pPr>
+          </a:lstStyle>
+          <a:p>
+            <a:fld id="{C8493283-EF9C-472F-8089-B5ED6CC7274E}" type="datetimeFigureOut">
+              <a:rPr lang="zh-TW" altLang="en-US" smtClean="0"/>
+              <a:t>2024/12/8</a:t>
+            </a:fld>
+            <a:endParaRPr lang="zh-TW" altLang="en-US"/>
+          </a:p>
+        </p:txBody>
+      </p:sp>
+      <p:sp>
+        <p:nvSpPr>
+          <p:cNvPr id="4" name="投影片影像版面配置區 3"/>
+          <p:cNvSpPr>
+            <a:spLocks noGrp="1" noRot="1" noChangeAspect="1"/>
+          </p:cNvSpPr>
+          <p:nvPr>
+            <p:ph type="sldImg" idx="2"/>
+          </p:nvPr>
+        </p:nvSpPr>
+        <p:spPr>
+          <a:xfrm>
+            <a:off x="685800" y="1143000"/>
+            <a:ext cx="5486400" cy="3086100"/>
+          </a:xfrm>
+          <a:prstGeom prst="rect">
+            <a:avLst/>
+          </a:prstGeom>
+          <a:noFill/>
+          <a:ln w="12700">
+            <a:solidFill>
+              <a:prstClr val="black"/>
+            </a:solidFill>
+          </a:ln>
+        </p:spPr>
+        <p:txBody>
+          <a:bodyPr vert="horz" lIns="91440" tIns="45720" rIns="91440" bIns="45720" rtlCol="0" anchor="ctr"/>
+          <a:lstStyle/>
+          <a:p>
+            <a:endParaRPr lang="zh-TW" altLang="en-US"/>
+          </a:p>
+        </p:txBody>
+      </p:sp>
+      <p:sp>
+        <p:nvSpPr>
+          <p:cNvPr id="5" name="備忘稿版面配置區 4"/>
+          <p:cNvSpPr>
+            <a:spLocks noGrp="1"/>
+          </p:cNvSpPr>
+          <p:nvPr>
+            <p:ph type="body" sz="quarter" idx="3"/>
+          </p:nvPr>
+        </p:nvSpPr>
+        <p:spPr>
+          <a:xfrm>
+            <a:off x="685800" y="4400550"/>
+            <a:ext cx="5486400" cy="3600450"/>
+          </a:xfrm>
+          <a:prstGeom prst="rect">
+            <a:avLst/>
+          </a:prstGeom>
+        </p:spPr>
+        <p:txBody>
+          <a:bodyPr vert="horz" lIns="91440" tIns="45720" rIns="91440" bIns="45720" rtlCol="0"/>
+          <a:lstStyle/>
+          <a:p>
+            <a:pPr lvl="0"/>
+            <a:r>
+              <a:rPr lang="zh-TW" altLang="en-US"/>
+              <a:t>按一下以編輯母片文字樣式</a:t>
+            </a:r>
+          </a:p>
+          <a:p>
+            <a:pPr lvl="1"/>
+            <a:r>
+              <a:rPr lang="zh-TW" altLang="en-US"/>
+              <a:t>第二層</a:t>
+            </a:r>
+          </a:p>
+          <a:p>
+            <a:pPr lvl="2"/>
+            <a:r>
+              <a:rPr lang="zh-TW" altLang="en-US"/>
+              <a:t>第三層</a:t>
+            </a:r>
+          </a:p>
+          <a:p>
+            <a:pPr lvl="3"/>
+            <a:r>
+              <a:rPr lang="zh-TW" altLang="en-US"/>
+              <a:t>第四層</a:t>
+            </a:r>
+          </a:p>
+          <a:p>
+            <a:pPr lvl="4"/>
+            <a:r>
+              <a:rPr lang="zh-TW" altLang="en-US"/>
+              <a:t>第五層</a:t>
+            </a:r>
+          </a:p>
+        </p:txBody>
+      </p:sp>
+      <p:sp>
+        <p:nvSpPr>
+          <p:cNvPr id="6" name="頁尾版面配置區 5"/>
+          <p:cNvSpPr>
+            <a:spLocks noGrp="1"/>
+          </p:cNvSpPr>
+          <p:nvPr>
+            <p:ph type="ftr" sz="quarter" idx="4"/>
+          </p:nvPr>
+        </p:nvSpPr>
+        <p:spPr>
+          <a:xfrm>
+            <a:off x="0" y="8685213"/>
+            <a:ext cx="2971800" cy="458787"/>
+          </a:xfrm>
+          <a:prstGeom prst="rect">
+            <a:avLst/>
+          </a:prstGeom>
+        </p:spPr>
+        <p:txBody>
+          <a:bodyPr vert="horz" lIns="91440" tIns="45720" rIns="91440" bIns="45720" rtlCol="0" anchor="b"/>
+          <a:lstStyle>
+            <a:lvl1pPr algn="l">
+              <a:defRPr sz="1200"/>
+            </a:lvl1pPr>
+          </a:lstStyle>
+          <a:p>
+            <a:endParaRPr lang="zh-TW" altLang="en-US"/>
+          </a:p>
+        </p:txBody>
+      </p:sp>
+      <p:sp>
+        <p:nvSpPr>
+          <p:cNvPr id="7" name="投影片編號版面配置區 6"/>
+          <p:cNvSpPr>
+            <a:spLocks noGrp="1"/>
+          </p:cNvSpPr>
+          <p:nvPr>
+            <p:ph type="sldNum" sz="quarter" idx="5"/>
+          </p:nvPr>
+        </p:nvSpPr>
+        <p:spPr>
+          <a:xfrm>
+            <a:off x="3884613" y="8685213"/>
+            <a:ext cx="2971800" cy="458787"/>
+          </a:xfrm>
+          <a:prstGeom prst="rect">
+            <a:avLst/>
+          </a:prstGeom>
+        </p:spPr>
+        <p:txBody>
+          <a:bodyPr vert="horz" lIns="91440" tIns="45720" rIns="91440" bIns="45720" rtlCol="0" anchor="b"/>
+          <a:lstStyle>
+            <a:lvl1pPr algn="r">
+              <a:defRPr sz="1200"/>
+            </a:lvl1pPr>
+          </a:lstStyle>
+          <a:p>
+            <a:fld id="{24CB812B-B477-4C7A-BF81-AF28B01D6231}" type="slidenum">
+              <a:rPr lang="zh-TW" altLang="en-US" smtClean="0"/>
+              <a:t>‹#›</a:t>
+            </a:fld>
+            <a:endParaRPr lang="zh-TW" altLang="en-US"/>
+          </a:p>
+        </p:txBody>
+      </p:sp>
+    </p:spTree>
+    <p:extLst>
+      <p:ext uri="{BB962C8B-B14F-4D97-AF65-F5344CB8AC3E}">
+        <p14:creationId xmlns:p14="http://schemas.microsoft.com/office/powerpoint/2010/main" val="3469649499"/>
+      </p:ext>
+    </p:extLst>
+  </p:cSld>
+  <p:clrMap bg1="lt1" tx1="dk1" bg2="lt2" tx2="dk2" accent1="accent1" accent2="accent2" accent3="accent3" accent4="accent4" accent5="accent5" accent6="accent6" hlink="hlink" folHlink="folHlink"/>
+  <p:notesStyle>
+    <a:lvl1pPr marL="0" algn="l" defTabSz="914400" rtl="0" eaLnBrk="1" latinLnBrk="0" hangingPunct="1">
+      <a:defRPr sz="1200" kern="1200">
+        <a:solidFill>
+          <a:schemeClr val="tx1"/>
+        </a:solidFill>
+        <a:latin typeface="+mn-lt"/>
+        <a:ea typeface="+mn-ea"/>
+        <a:cs typeface="+mn-cs"/>
+      </a:defRPr>
+    </a:lvl1pPr>
+    <a:lvl2pPr marL="457200" algn="l" defTabSz="914400" rtl="0" eaLnBrk="1" latinLnBrk="0" hangingPunct="1">
+      <a:defRPr sz="1200" kern="1200">
+        <a:solidFill>
+          <a:schemeClr val="tx1"/>
+        </a:solidFill>
+        <a:latin typeface="+mn-lt"/>
+        <a:ea typeface="+mn-ea"/>
+        <a:cs typeface="+mn-cs"/>
+      </a:defRPr>
+    </a:lvl2pPr>
+    <a:lvl3pPr marL="914400" algn="l" defTabSz="914400" rtl="0" eaLnBrk="1" latinLnBrk="0" hangingPunct="1">
+      <a:defRPr sz="1200" kern="1200">
+        <a:solidFill>
+          <a:schemeClr val="tx1"/>
+        </a:solidFill>
+        <a:latin typeface="+mn-lt"/>
+        <a:ea typeface="+mn-ea"/>
+        <a:cs typeface="+mn-cs"/>
+      </a:defRPr>
+    </a:lvl3pPr>
+    <a:lvl4pPr marL="1371600" algn="l" defTabSz="914400" rtl="0" eaLnBrk="1" latinLnBrk="0" hangingPunct="1">
+      <a:defRPr sz="1200" kern="1200">
+        <a:solidFill>
+          <a:schemeClr val="tx1"/>
+        </a:solidFill>
+        <a:latin typeface="+mn-lt"/>
+        <a:ea typeface="+mn-ea"/>
+        <a:cs typeface="+mn-cs"/>
+      </a:defRPr>
+    </a:lvl4pPr>
+    <a:lvl5pPr marL="1828800" algn="l" defTabSz="914400" rtl="0" eaLnBrk="1" latinLnBrk="0" hangingPunct="1">
+      <a:defRPr sz="1200" kern="1200">
+        <a:solidFill>
+          <a:schemeClr val="tx1"/>
+        </a:solidFill>
+        <a:latin typeface="+mn-lt"/>
+        <a:ea typeface="+mn-ea"/>
+        <a:cs typeface="+mn-cs"/>
+      </a:defRPr>
+    </a:lvl5pPr>
+    <a:lvl6pPr marL="2286000" algn="l" defTabSz="914400" rtl="0" eaLnBrk="1" latinLnBrk="0" hangingPunct="1">
+      <a:defRPr sz="1200" kern="1200">
+        <a:solidFill>
+          <a:schemeClr val="tx1"/>
+        </a:solidFill>
+        <a:latin typeface="+mn-lt"/>
+        <a:ea typeface="+mn-ea"/>
+        <a:cs typeface="+mn-cs"/>
+      </a:defRPr>
+    </a:lvl6pPr>
+    <a:lvl7pPr marL="2743200" algn="l" defTabSz="914400" rtl="0" eaLnBrk="1" latinLnBrk="0" hangingPunct="1">
+      <a:defRPr sz="1200" kern="1200">
+        <a:solidFill>
+          <a:schemeClr val="tx1"/>
+        </a:solidFill>
+        <a:latin typeface="+mn-lt"/>
+        <a:ea typeface="+mn-ea"/>
+        <a:cs typeface="+mn-cs"/>
+      </a:defRPr>
+    </a:lvl7pPr>
+    <a:lvl8pPr marL="3200400" algn="l" defTabSz="914400" rtl="0" eaLnBrk="1" latinLnBrk="0" hangingPunct="1">
+      <a:defRPr sz="1200" kern="1200">
+        <a:solidFill>
+          <a:schemeClr val="tx1"/>
+        </a:solidFill>
+        <a:latin typeface="+mn-lt"/>
+        <a:ea typeface="+mn-ea"/>
+        <a:cs typeface="+mn-cs"/>
+      </a:defRPr>
+    </a:lvl8pPr>
+    <a:lvl9pPr marL="3657600" algn="l" defTabSz="914400" rtl="0" eaLnBrk="1" latinLnBrk="0" hangingPunct="1">
+      <a:defRPr sz="1200" kern="1200">
+        <a:solidFill>
+          <a:schemeClr val="tx1"/>
+        </a:solidFill>
+        <a:latin typeface="+mn-lt"/>
+        <a:ea typeface="+mn-ea"/>
+        <a:cs typeface="+mn-cs"/>
+      </a:defRPr>
+    </a:lvl9pPr>
+  </p:notesStyle>
+</p:notesMaster>
+</file>
+
+<file path=ppt/notesSlides/notesSlide1.xml><?xml version="1.0" encoding="utf-8"?>
+<p:notes xmlns:a="http://schemas.openxmlformats.org/drawingml/2006/main" xmlns:r="http://schemas.openxmlformats.org/officeDocument/2006/relationships" xmlns:p="http://schemas.openxmlformats.org/presentationml/2006/main">
+  <p:cSld>
+    <p:spTree>
+      <p:nvGrpSpPr>
+        <p:cNvPr id="1" name=""/>
+        <p:cNvGrpSpPr/>
+        <p:nvPr/>
+      </p:nvGrpSpPr>
+      <p:grpSpPr>
+        <a:xfrm>
+          <a:off x="0" y="0"/>
+          <a:ext cx="0" cy="0"/>
+          <a:chOff x="0" y="0"/>
+          <a:chExt cx="0" cy="0"/>
+        </a:xfrm>
+      </p:grpSpPr>
+      <p:sp>
+        <p:nvSpPr>
+          <p:cNvPr id="2" name="投影片影像版面配置區 1"/>
+          <p:cNvSpPr>
+            <a:spLocks noGrp="1" noRot="1" noChangeAspect="1"/>
+          </p:cNvSpPr>
+          <p:nvPr>
+            <p:ph type="sldImg"/>
+          </p:nvPr>
+        </p:nvSpPr>
+        <p:spPr/>
+      </p:sp>
+      <p:sp>
+        <p:nvSpPr>
+          <p:cNvPr id="3" name="備忘稿版面配置區 2"/>
+          <p:cNvSpPr>
+            <a:spLocks noGrp="1"/>
+          </p:cNvSpPr>
+          <p:nvPr>
+            <p:ph type="body" idx="1"/>
+          </p:nvPr>
+        </p:nvSpPr>
+        <p:spPr/>
+        <p:txBody>
+          <a:bodyPr/>
+          <a:lstStyle/>
+          <a:p>
+            <a:endParaRPr lang="zh-TW" altLang="en-US" dirty="0"/>
+          </a:p>
+        </p:txBody>
+      </p:sp>
+      <p:sp>
+        <p:nvSpPr>
+          <p:cNvPr id="4" name="投影片編號版面配置區 3"/>
+          <p:cNvSpPr>
+            <a:spLocks noGrp="1"/>
+          </p:cNvSpPr>
+          <p:nvPr>
+            <p:ph type="sldNum" sz="quarter" idx="5"/>
+          </p:nvPr>
+        </p:nvSpPr>
+        <p:spPr/>
+        <p:txBody>
+          <a:bodyPr/>
+          <a:lstStyle/>
+          <a:p>
+            <a:fld id="{24CB812B-B477-4C7A-BF81-AF28B01D6231}" type="slidenum">
+              <a:rPr lang="zh-TW" altLang="en-US" smtClean="0"/>
+              <a:t>4</a:t>
+            </a:fld>
+            <a:endParaRPr lang="zh-TW" altLang="en-US"/>
+          </a:p>
+        </p:txBody>
+      </p:sp>
+    </p:spTree>
+    <p:extLst>
+      <p:ext uri="{BB962C8B-B14F-4D97-AF65-F5344CB8AC3E}">
+        <p14:creationId xmlns:p14="http://schemas.microsoft.com/office/powerpoint/2010/main" val="2285420015"/>
+      </p:ext>
+    </p:extLst>
+  </p:cSld>
+  <p:clrMapOvr>
+    <a:masterClrMapping/>
+  </p:clrMapOvr>
+</p:notes>
 </file>
 
 <file path=ppt/slideLayouts/slideLayout1.xml><?xml version="1.0" encoding="utf-8"?>
@@ -255,7 +699,7 @@
           <a:p>
             <a:fld id="{BBEAF2B6-3626-49B1-ADFC-13153073CA71}" type="datetimeFigureOut">
               <a:rPr lang="zh-TW" altLang="en-US" smtClean="0"/>
-              <a:t>2024/12/5</a:t>
+              <a:t>2024/12/8</a:t>
             </a:fld>
             <a:endParaRPr lang="zh-TW" altLang="en-US"/>
           </a:p>
@@ -453,7 +897,7 @@
           <a:p>
             <a:fld id="{BBEAF2B6-3626-49B1-ADFC-13153073CA71}" type="datetimeFigureOut">
               <a:rPr lang="zh-TW" altLang="en-US" smtClean="0"/>
-              <a:t>2024/12/5</a:t>
+              <a:t>2024/12/8</a:t>
             </a:fld>
             <a:endParaRPr lang="zh-TW" altLang="en-US"/>
           </a:p>
@@ -661,7 +1105,7 @@
           <a:p>
             <a:fld id="{BBEAF2B6-3626-49B1-ADFC-13153073CA71}" type="datetimeFigureOut">
               <a:rPr lang="zh-TW" altLang="en-US" smtClean="0"/>
-              <a:t>2024/12/5</a:t>
+              <a:t>2024/12/8</a:t>
             </a:fld>
             <a:endParaRPr lang="zh-TW" altLang="en-US"/>
           </a:p>
@@ -859,7 +1303,7 @@
           <a:p>
             <a:fld id="{BBEAF2B6-3626-49B1-ADFC-13153073CA71}" type="datetimeFigureOut">
               <a:rPr lang="zh-TW" altLang="en-US" smtClean="0"/>
-              <a:t>2024/12/5</a:t>
+              <a:t>2024/12/8</a:t>
             </a:fld>
             <a:endParaRPr lang="zh-TW" altLang="en-US"/>
           </a:p>
@@ -1134,7 +1578,7 @@
           <a:p>
             <a:fld id="{BBEAF2B6-3626-49B1-ADFC-13153073CA71}" type="datetimeFigureOut">
               <a:rPr lang="zh-TW" altLang="en-US" smtClean="0"/>
-              <a:t>2024/12/5</a:t>
+              <a:t>2024/12/8</a:t>
             </a:fld>
             <a:endParaRPr lang="zh-TW" altLang="en-US"/>
           </a:p>
@@ -1399,7 +1843,7 @@
           <a:p>
             <a:fld id="{BBEAF2B6-3626-49B1-ADFC-13153073CA71}" type="datetimeFigureOut">
               <a:rPr lang="zh-TW" altLang="en-US" smtClean="0"/>
-              <a:t>2024/12/5</a:t>
+              <a:t>2024/12/8</a:t>
             </a:fld>
             <a:endParaRPr lang="zh-TW" altLang="en-US"/>
           </a:p>
@@ -1811,7 +2255,7 @@
           <a:p>
             <a:fld id="{BBEAF2B6-3626-49B1-ADFC-13153073CA71}" type="datetimeFigureOut">
               <a:rPr lang="zh-TW" altLang="en-US" smtClean="0"/>
-              <a:t>2024/12/5</a:t>
+              <a:t>2024/12/8</a:t>
             </a:fld>
             <a:endParaRPr lang="zh-TW" altLang="en-US"/>
           </a:p>
@@ -1952,7 +2396,7 @@
           <a:p>
             <a:fld id="{BBEAF2B6-3626-49B1-ADFC-13153073CA71}" type="datetimeFigureOut">
               <a:rPr lang="zh-TW" altLang="en-US" smtClean="0"/>
-              <a:t>2024/12/5</a:t>
+              <a:t>2024/12/8</a:t>
             </a:fld>
             <a:endParaRPr lang="zh-TW" altLang="en-US"/>
           </a:p>
@@ -2065,7 +2509,7 @@
           <a:p>
             <a:fld id="{BBEAF2B6-3626-49B1-ADFC-13153073CA71}" type="datetimeFigureOut">
               <a:rPr lang="zh-TW" altLang="en-US" smtClean="0"/>
-              <a:t>2024/12/5</a:t>
+              <a:t>2024/12/8</a:t>
             </a:fld>
             <a:endParaRPr lang="zh-TW" altLang="en-US"/>
           </a:p>
@@ -2376,7 +2820,7 @@
           <a:p>
             <a:fld id="{BBEAF2B6-3626-49B1-ADFC-13153073CA71}" type="datetimeFigureOut">
               <a:rPr lang="zh-TW" altLang="en-US" smtClean="0"/>
-              <a:t>2024/12/5</a:t>
+              <a:t>2024/12/8</a:t>
             </a:fld>
             <a:endParaRPr lang="zh-TW" altLang="en-US"/>
           </a:p>
@@ -2664,7 +3108,7 @@
           <a:p>
             <a:fld id="{BBEAF2B6-3626-49B1-ADFC-13153073CA71}" type="datetimeFigureOut">
               <a:rPr lang="zh-TW" altLang="en-US" smtClean="0"/>
-              <a:t>2024/12/5</a:t>
+              <a:t>2024/12/8</a:t>
             </a:fld>
             <a:endParaRPr lang="zh-TW" altLang="en-US"/>
           </a:p>
@@ -2905,7 +3349,7 @@
           <a:p>
             <a:fld id="{BBEAF2B6-3626-49B1-ADFC-13153073CA71}" type="datetimeFigureOut">
               <a:rPr lang="zh-TW" altLang="en-US" smtClean="0"/>
-              <a:t>2024/12/5</a:t>
+              <a:t>2024/12/8</a:t>
             </a:fld>
             <a:endParaRPr lang="zh-TW" altLang="en-US"/>
           </a:p>
@@ -4403,6 +4847,3154 @@
 </p:sld>
 </file>
 
+<file path=ppt/slides/slide3.xml><?xml version="1.0" encoding="utf-8"?>
+<p:sld xmlns:a="http://schemas.openxmlformats.org/drawingml/2006/main" xmlns:r="http://schemas.openxmlformats.org/officeDocument/2006/relationships" xmlns:p="http://schemas.openxmlformats.org/presentationml/2006/main">
+  <p:cSld>
+    <p:spTree>
+      <p:nvGrpSpPr>
+        <p:cNvPr id="1" name=""/>
+        <p:cNvGrpSpPr/>
+        <p:nvPr/>
+      </p:nvGrpSpPr>
+      <p:grpSpPr>
+        <a:xfrm>
+          <a:off x="0" y="0"/>
+          <a:ext cx="0" cy="0"/>
+          <a:chOff x="0" y="0"/>
+          <a:chExt cx="0" cy="0"/>
+        </a:xfrm>
+      </p:grpSpPr>
+      <p:sp>
+        <p:nvSpPr>
+          <p:cNvPr id="2" name="標題 1">
+            <a:extLst>
+              <a:ext uri="{FF2B5EF4-FFF2-40B4-BE49-F238E27FC236}">
+                <a16:creationId xmlns:a16="http://schemas.microsoft.com/office/drawing/2014/main" id="{E2609873-4574-4BCB-B52A-D6CDF60C1867}"/>
+              </a:ext>
+            </a:extLst>
+          </p:cNvPr>
+          <p:cNvSpPr>
+            <a:spLocks noGrp="1"/>
+          </p:cNvSpPr>
+          <p:nvPr>
+            <p:ph type="title"/>
+          </p:nvPr>
+        </p:nvSpPr>
+        <p:spPr/>
+        <p:txBody>
+          <a:bodyPr/>
+          <a:lstStyle/>
+          <a:p>
+            <a:r>
+              <a:rPr lang="en-US" altLang="zh-TW" dirty="0"/>
+              <a:t>cone</a:t>
+            </a:r>
+            <a:endParaRPr lang="zh-TW" altLang="en-US" dirty="0"/>
+          </a:p>
+        </p:txBody>
+      </p:sp>
+      <p:sp>
+        <p:nvSpPr>
+          <p:cNvPr id="4" name="矩形 3">
+            <a:extLst>
+              <a:ext uri="{FF2B5EF4-FFF2-40B4-BE49-F238E27FC236}">
+                <a16:creationId xmlns:a16="http://schemas.microsoft.com/office/drawing/2014/main" id="{68EF8DF3-6668-492F-B23F-FBC875E5042E}"/>
+              </a:ext>
+            </a:extLst>
+          </p:cNvPr>
+          <p:cNvSpPr/>
+          <p:nvPr/>
+        </p:nvSpPr>
+        <p:spPr>
+          <a:xfrm>
+            <a:off x="3841072" y="1690688"/>
+            <a:ext cx="4509856" cy="4509856"/>
+          </a:xfrm>
+          <a:prstGeom prst="rect">
+            <a:avLst/>
+          </a:prstGeom>
+          <a:noFill/>
+          <a:ln>
+            <a:solidFill>
+              <a:schemeClr val="tx1"/>
+            </a:solidFill>
+          </a:ln>
+        </p:spPr>
+        <p:style>
+          <a:lnRef idx="2">
+            <a:schemeClr val="accent1">
+              <a:shade val="50000"/>
+            </a:schemeClr>
+          </a:lnRef>
+          <a:fillRef idx="1">
+            <a:schemeClr val="accent1"/>
+          </a:fillRef>
+          <a:effectRef idx="0">
+            <a:schemeClr val="accent1"/>
+          </a:effectRef>
+          <a:fontRef idx="minor">
+            <a:schemeClr val="lt1"/>
+          </a:fontRef>
+        </p:style>
+        <p:txBody>
+          <a:bodyPr rtlCol="0" anchor="ctr"/>
+          <a:lstStyle/>
+          <a:p>
+            <a:pPr algn="ctr"/>
+            <a:endParaRPr lang="zh-TW" altLang="en-US"/>
+          </a:p>
+        </p:txBody>
+      </p:sp>
+      <p:cxnSp>
+        <p:nvCxnSpPr>
+          <p:cNvPr id="7" name="直線接點 6">
+            <a:extLst>
+              <a:ext uri="{FF2B5EF4-FFF2-40B4-BE49-F238E27FC236}">
+                <a16:creationId xmlns:a16="http://schemas.microsoft.com/office/drawing/2014/main" id="{37706F08-A6AA-4000-80E1-3B80419E437B}"/>
+              </a:ext>
+            </a:extLst>
+          </p:cNvPr>
+          <p:cNvCxnSpPr>
+            <a:stCxn id="4" idx="1"/>
+            <a:endCxn id="4" idx="3"/>
+          </p:cNvCxnSpPr>
+          <p:nvPr/>
+        </p:nvCxnSpPr>
+        <p:spPr>
+          <a:xfrm>
+            <a:off x="3841072" y="3945616"/>
+            <a:ext cx="4509856" cy="0"/>
+          </a:xfrm>
+          <a:prstGeom prst="line">
+            <a:avLst/>
+          </a:prstGeom>
+          <a:ln>
+            <a:solidFill>
+              <a:schemeClr val="tx1"/>
+            </a:solidFill>
+            <a:prstDash val="dash"/>
+          </a:ln>
+        </p:spPr>
+        <p:style>
+          <a:lnRef idx="1">
+            <a:schemeClr val="accent1"/>
+          </a:lnRef>
+          <a:fillRef idx="0">
+            <a:schemeClr val="accent1"/>
+          </a:fillRef>
+          <a:effectRef idx="0">
+            <a:schemeClr val="accent1"/>
+          </a:effectRef>
+          <a:fontRef idx="minor">
+            <a:schemeClr val="tx1"/>
+          </a:fontRef>
+        </p:style>
+      </p:cxnSp>
+      <p:cxnSp>
+        <p:nvCxnSpPr>
+          <p:cNvPr id="8" name="直線接點 7">
+            <a:extLst>
+              <a:ext uri="{FF2B5EF4-FFF2-40B4-BE49-F238E27FC236}">
+                <a16:creationId xmlns:a16="http://schemas.microsoft.com/office/drawing/2014/main" id="{4C918A36-0104-4085-BB3F-639193789BDC}"/>
+              </a:ext>
+            </a:extLst>
+          </p:cNvPr>
+          <p:cNvCxnSpPr>
+            <a:cxnSpLocks/>
+            <a:stCxn id="4" idx="0"/>
+          </p:cNvCxnSpPr>
+          <p:nvPr/>
+        </p:nvCxnSpPr>
+        <p:spPr>
+          <a:xfrm>
+            <a:off x="6096000" y="1690688"/>
+            <a:ext cx="0" cy="2254928"/>
+          </a:xfrm>
+          <a:prstGeom prst="line">
+            <a:avLst/>
+          </a:prstGeom>
+          <a:ln>
+            <a:solidFill>
+              <a:schemeClr val="tx1"/>
+            </a:solidFill>
+            <a:prstDash val="dash"/>
+          </a:ln>
+        </p:spPr>
+        <p:style>
+          <a:lnRef idx="1">
+            <a:schemeClr val="accent1"/>
+          </a:lnRef>
+          <a:fillRef idx="0">
+            <a:schemeClr val="accent1"/>
+          </a:fillRef>
+          <a:effectRef idx="0">
+            <a:schemeClr val="accent1"/>
+          </a:effectRef>
+          <a:fontRef idx="minor">
+            <a:schemeClr val="tx1"/>
+          </a:fontRef>
+        </p:style>
+      </p:cxnSp>
+      <p:sp>
+        <p:nvSpPr>
+          <p:cNvPr id="11" name="文字方塊 10">
+            <a:extLst>
+              <a:ext uri="{FF2B5EF4-FFF2-40B4-BE49-F238E27FC236}">
+                <a16:creationId xmlns:a16="http://schemas.microsoft.com/office/drawing/2014/main" id="{AF171EDB-E223-4480-82E0-53EB5BA11E16}"/>
+              </a:ext>
+            </a:extLst>
+          </p:cNvPr>
+          <p:cNvSpPr txBox="1"/>
+          <p:nvPr/>
+        </p:nvSpPr>
+        <p:spPr>
+          <a:xfrm>
+            <a:off x="4686246" y="2633485"/>
+            <a:ext cx="564578" cy="369332"/>
+          </a:xfrm>
+          <a:prstGeom prst="rect">
+            <a:avLst/>
+          </a:prstGeom>
+          <a:noFill/>
+        </p:spPr>
+        <p:txBody>
+          <a:bodyPr wrap="none" rtlCol="0">
+            <a:spAutoFit/>
+          </a:bodyPr>
+          <a:lstStyle/>
+          <a:p>
+            <a:r>
+              <a:rPr lang="en-US" altLang="zh-TW" dirty="0"/>
+              <a:t>side</a:t>
+            </a:r>
+            <a:endParaRPr lang="zh-TW" altLang="en-US" dirty="0"/>
+          </a:p>
+        </p:txBody>
+      </p:sp>
+      <p:sp>
+        <p:nvSpPr>
+          <p:cNvPr id="12" name="文字方塊 11">
+            <a:extLst>
+              <a:ext uri="{FF2B5EF4-FFF2-40B4-BE49-F238E27FC236}">
+                <a16:creationId xmlns:a16="http://schemas.microsoft.com/office/drawing/2014/main" id="{409A5CB2-04BE-4EE8-8643-D0E74D1D0361}"/>
+              </a:ext>
+            </a:extLst>
+          </p:cNvPr>
+          <p:cNvSpPr txBox="1"/>
+          <p:nvPr/>
+        </p:nvSpPr>
+        <p:spPr>
+          <a:xfrm>
+            <a:off x="6782031" y="2633485"/>
+            <a:ext cx="882870" cy="369332"/>
+          </a:xfrm>
+          <a:prstGeom prst="rect">
+            <a:avLst/>
+          </a:prstGeom>
+          <a:noFill/>
+        </p:spPr>
+        <p:txBody>
+          <a:bodyPr wrap="none" rtlCol="0">
+            <a:spAutoFit/>
+          </a:bodyPr>
+          <a:lstStyle/>
+          <a:p>
+            <a:r>
+              <a:rPr lang="en-US" altLang="zh-TW" dirty="0" err="1"/>
+              <a:t>buttom</a:t>
+            </a:r>
+            <a:endParaRPr lang="zh-TW" altLang="en-US" dirty="0"/>
+          </a:p>
+        </p:txBody>
+      </p:sp>
+      <p:sp>
+        <p:nvSpPr>
+          <p:cNvPr id="13" name="文字方塊 12">
+            <a:extLst>
+              <a:ext uri="{FF2B5EF4-FFF2-40B4-BE49-F238E27FC236}">
+                <a16:creationId xmlns:a16="http://schemas.microsoft.com/office/drawing/2014/main" id="{83C960C2-A156-47EC-BB9A-0AD35575E6B4}"/>
+              </a:ext>
+            </a:extLst>
+          </p:cNvPr>
+          <p:cNvSpPr txBox="1"/>
+          <p:nvPr/>
+        </p:nvSpPr>
+        <p:spPr>
+          <a:xfrm>
+            <a:off x="5786460" y="4888413"/>
+            <a:ext cx="665567" cy="369332"/>
+          </a:xfrm>
+          <a:prstGeom prst="rect">
+            <a:avLst/>
+          </a:prstGeom>
+          <a:noFill/>
+        </p:spPr>
+        <p:txBody>
+          <a:bodyPr wrap="none" rtlCol="0">
+            <a:spAutoFit/>
+          </a:bodyPr>
+          <a:lstStyle/>
+          <a:p>
+            <a:r>
+              <a:rPr lang="en-US" altLang="zh-TW" dirty="0"/>
+              <a:t>none</a:t>
+            </a:r>
+            <a:endParaRPr lang="zh-TW" altLang="en-US" dirty="0"/>
+          </a:p>
+        </p:txBody>
+      </p:sp>
+      <p:sp>
+        <p:nvSpPr>
+          <p:cNvPr id="14" name="橢圓 13">
+            <a:extLst>
+              <a:ext uri="{FF2B5EF4-FFF2-40B4-BE49-F238E27FC236}">
+                <a16:creationId xmlns:a16="http://schemas.microsoft.com/office/drawing/2014/main" id="{6FADEE8B-80DB-4C15-A2D2-BD904C4DA70E}"/>
+              </a:ext>
+            </a:extLst>
+          </p:cNvPr>
+          <p:cNvSpPr/>
+          <p:nvPr/>
+        </p:nvSpPr>
+        <p:spPr>
+          <a:xfrm>
+            <a:off x="3841072" y="1690688"/>
+            <a:ext cx="2254926" cy="2254926"/>
+          </a:xfrm>
+          <a:prstGeom prst="ellipse">
+            <a:avLst/>
+          </a:prstGeom>
+          <a:noFill/>
+          <a:ln>
+            <a:solidFill>
+              <a:schemeClr val="accent1"/>
+            </a:solidFill>
+            <a:prstDash val="dash"/>
+          </a:ln>
+        </p:spPr>
+        <p:style>
+          <a:lnRef idx="2">
+            <a:schemeClr val="accent1">
+              <a:shade val="50000"/>
+            </a:schemeClr>
+          </a:lnRef>
+          <a:fillRef idx="1">
+            <a:schemeClr val="accent1"/>
+          </a:fillRef>
+          <a:effectRef idx="0">
+            <a:schemeClr val="accent1"/>
+          </a:effectRef>
+          <a:fontRef idx="minor">
+            <a:schemeClr val="lt1"/>
+          </a:fontRef>
+        </p:style>
+        <p:txBody>
+          <a:bodyPr rtlCol="0" anchor="ctr"/>
+          <a:lstStyle/>
+          <a:p>
+            <a:pPr algn="ctr"/>
+            <a:endParaRPr lang="zh-TW" altLang="en-US"/>
+          </a:p>
+        </p:txBody>
+      </p:sp>
+      <p:sp>
+        <p:nvSpPr>
+          <p:cNvPr id="15" name="橢圓 14">
+            <a:extLst>
+              <a:ext uri="{FF2B5EF4-FFF2-40B4-BE49-F238E27FC236}">
+                <a16:creationId xmlns:a16="http://schemas.microsoft.com/office/drawing/2014/main" id="{7251E60B-6311-4C0D-B4D0-6D437E3276FC}"/>
+              </a:ext>
+            </a:extLst>
+          </p:cNvPr>
+          <p:cNvSpPr/>
+          <p:nvPr/>
+        </p:nvSpPr>
+        <p:spPr>
+          <a:xfrm>
+            <a:off x="6096003" y="1690688"/>
+            <a:ext cx="2254926" cy="2254926"/>
+          </a:xfrm>
+          <a:prstGeom prst="ellipse">
+            <a:avLst/>
+          </a:prstGeom>
+          <a:noFill/>
+          <a:ln>
+            <a:solidFill>
+              <a:schemeClr val="accent1"/>
+            </a:solidFill>
+            <a:prstDash val="dash"/>
+          </a:ln>
+        </p:spPr>
+        <p:style>
+          <a:lnRef idx="2">
+            <a:schemeClr val="accent1">
+              <a:shade val="50000"/>
+            </a:schemeClr>
+          </a:lnRef>
+          <a:fillRef idx="1">
+            <a:schemeClr val="accent1"/>
+          </a:fillRef>
+          <a:effectRef idx="0">
+            <a:schemeClr val="accent1"/>
+          </a:effectRef>
+          <a:fontRef idx="minor">
+            <a:schemeClr val="lt1"/>
+          </a:fontRef>
+        </p:style>
+        <p:txBody>
+          <a:bodyPr rtlCol="0" anchor="ctr"/>
+          <a:lstStyle/>
+          <a:p>
+            <a:pPr algn="ctr"/>
+            <a:endParaRPr lang="zh-TW" altLang="en-US"/>
+          </a:p>
+        </p:txBody>
+      </p:sp>
+      <p:sp>
+        <p:nvSpPr>
+          <p:cNvPr id="16" name="文字方塊 15">
+            <a:extLst>
+              <a:ext uri="{FF2B5EF4-FFF2-40B4-BE49-F238E27FC236}">
+                <a16:creationId xmlns:a16="http://schemas.microsoft.com/office/drawing/2014/main" id="{71BC16FD-D917-4959-BBD8-82F4BBAB8636}"/>
+              </a:ext>
+            </a:extLst>
+          </p:cNvPr>
+          <p:cNvSpPr txBox="1"/>
+          <p:nvPr/>
+        </p:nvSpPr>
+        <p:spPr>
+          <a:xfrm>
+            <a:off x="3048866" y="3760949"/>
+            <a:ext cx="792205" cy="369332"/>
+          </a:xfrm>
+          <a:prstGeom prst="rect">
+            <a:avLst/>
+          </a:prstGeom>
+          <a:noFill/>
+        </p:spPr>
+        <p:txBody>
+          <a:bodyPr wrap="none" rtlCol="0">
+            <a:spAutoFit/>
+          </a:bodyPr>
+          <a:lstStyle/>
+          <a:p>
+            <a:r>
+              <a:rPr lang="en-US" altLang="zh-TW" dirty="0"/>
+              <a:t>(0,0.5)</a:t>
+            </a:r>
+            <a:endParaRPr lang="zh-TW" altLang="en-US" dirty="0"/>
+          </a:p>
+        </p:txBody>
+      </p:sp>
+      <p:sp>
+        <p:nvSpPr>
+          <p:cNvPr id="17" name="文字方塊 16">
+            <a:extLst>
+              <a:ext uri="{FF2B5EF4-FFF2-40B4-BE49-F238E27FC236}">
+                <a16:creationId xmlns:a16="http://schemas.microsoft.com/office/drawing/2014/main" id="{E0E91409-78FC-4B35-8196-CD94769A6E90}"/>
+              </a:ext>
+            </a:extLst>
+          </p:cNvPr>
+          <p:cNvSpPr txBox="1"/>
+          <p:nvPr/>
+        </p:nvSpPr>
+        <p:spPr>
+          <a:xfrm>
+            <a:off x="3223594" y="6094229"/>
+            <a:ext cx="617477" cy="369332"/>
+          </a:xfrm>
+          <a:prstGeom prst="rect">
+            <a:avLst/>
+          </a:prstGeom>
+          <a:noFill/>
+        </p:spPr>
+        <p:txBody>
+          <a:bodyPr wrap="none" rtlCol="0">
+            <a:spAutoFit/>
+          </a:bodyPr>
+          <a:lstStyle/>
+          <a:p>
+            <a:r>
+              <a:rPr lang="en-US" altLang="zh-TW" dirty="0"/>
+              <a:t>(0,0)</a:t>
+            </a:r>
+            <a:endParaRPr lang="zh-TW" altLang="en-US" dirty="0"/>
+          </a:p>
+        </p:txBody>
+      </p:sp>
+      <p:sp>
+        <p:nvSpPr>
+          <p:cNvPr id="20" name="文字方塊 19">
+            <a:extLst>
+              <a:ext uri="{FF2B5EF4-FFF2-40B4-BE49-F238E27FC236}">
+                <a16:creationId xmlns:a16="http://schemas.microsoft.com/office/drawing/2014/main" id="{7C7477DB-6FF0-4C29-9074-C92A3F2A2E1E}"/>
+              </a:ext>
+            </a:extLst>
+          </p:cNvPr>
+          <p:cNvSpPr txBox="1"/>
+          <p:nvPr/>
+        </p:nvSpPr>
+        <p:spPr>
+          <a:xfrm>
+            <a:off x="5699896" y="1315879"/>
+            <a:ext cx="792205" cy="369332"/>
+          </a:xfrm>
+          <a:prstGeom prst="rect">
+            <a:avLst/>
+          </a:prstGeom>
+          <a:noFill/>
+        </p:spPr>
+        <p:txBody>
+          <a:bodyPr wrap="none" rtlCol="0">
+            <a:spAutoFit/>
+          </a:bodyPr>
+          <a:lstStyle/>
+          <a:p>
+            <a:r>
+              <a:rPr lang="en-US" altLang="zh-TW" dirty="0"/>
+              <a:t>(0.5,1)</a:t>
+            </a:r>
+            <a:endParaRPr lang="zh-TW" altLang="en-US" dirty="0"/>
+          </a:p>
+        </p:txBody>
+      </p:sp>
+    </p:spTree>
+    <p:extLst>
+      <p:ext uri="{BB962C8B-B14F-4D97-AF65-F5344CB8AC3E}">
+        <p14:creationId xmlns:p14="http://schemas.microsoft.com/office/powerpoint/2010/main" val="2319392584"/>
+      </p:ext>
+    </p:extLst>
+  </p:cSld>
+  <p:clrMapOvr>
+    <a:masterClrMapping/>
+  </p:clrMapOvr>
+</p:sld>
+</file>
+
+<file path=ppt/slides/slide4.xml><?xml version="1.0" encoding="utf-8"?>
+<p:sld xmlns:a="http://schemas.openxmlformats.org/drawingml/2006/main" xmlns:r="http://schemas.openxmlformats.org/officeDocument/2006/relationships" xmlns:p="http://schemas.openxmlformats.org/presentationml/2006/main">
+  <p:cSld>
+    <p:spTree>
+      <p:nvGrpSpPr>
+        <p:cNvPr id="1" name=""/>
+        <p:cNvGrpSpPr/>
+        <p:nvPr/>
+      </p:nvGrpSpPr>
+      <p:grpSpPr>
+        <a:xfrm>
+          <a:off x="0" y="0"/>
+          <a:ext cx="0" cy="0"/>
+          <a:chOff x="0" y="0"/>
+          <a:chExt cx="0" cy="0"/>
+        </a:xfrm>
+      </p:grpSpPr>
+      <p:sp>
+        <p:nvSpPr>
+          <p:cNvPr id="2" name="標題 1">
+            <a:extLst>
+              <a:ext uri="{FF2B5EF4-FFF2-40B4-BE49-F238E27FC236}">
+                <a16:creationId xmlns:a16="http://schemas.microsoft.com/office/drawing/2014/main" id="{E2609873-4574-4BCB-B52A-D6CDF60C1867}"/>
+              </a:ext>
+            </a:extLst>
+          </p:cNvPr>
+          <p:cNvSpPr>
+            <a:spLocks noGrp="1"/>
+          </p:cNvSpPr>
+          <p:nvPr>
+            <p:ph type="title"/>
+          </p:nvPr>
+        </p:nvSpPr>
+        <p:spPr/>
+        <p:txBody>
+          <a:bodyPr/>
+          <a:lstStyle/>
+          <a:p>
+            <a:r>
+              <a:rPr lang="en-US" altLang="zh-TW" dirty="0"/>
+              <a:t>Cone-example</a:t>
+            </a:r>
+            <a:endParaRPr lang="zh-TW" altLang="en-US" dirty="0"/>
+          </a:p>
+        </p:txBody>
+      </p:sp>
+      <p:pic>
+        <p:nvPicPr>
+          <p:cNvPr id="18" name="圖片 17">
+            <a:extLst>
+              <a:ext uri="{FF2B5EF4-FFF2-40B4-BE49-F238E27FC236}">
+                <a16:creationId xmlns:a16="http://schemas.microsoft.com/office/drawing/2014/main" id="{2F9F73F0-40D7-4EC7-AF7F-0752FF04DB58}"/>
+              </a:ext>
+            </a:extLst>
+          </p:cNvPr>
+          <p:cNvPicPr>
+            <a:picLocks noChangeAspect="1"/>
+          </p:cNvPicPr>
+          <p:nvPr/>
+        </p:nvPicPr>
+        <p:blipFill rotWithShape="1">
+          <a:blip r:embed="rId3"/>
+          <a:srcRect l="26920" t="20463" r="33594" b="15564"/>
+          <a:stretch/>
+        </p:blipFill>
+        <p:spPr>
+          <a:xfrm>
+            <a:off x="-419100" y="1690688"/>
+            <a:ext cx="6515100" cy="6515100"/>
+          </a:xfrm>
+          <a:prstGeom prst="rect">
+            <a:avLst/>
+          </a:prstGeom>
+        </p:spPr>
+      </p:pic>
+      <p:grpSp>
+        <p:nvGrpSpPr>
+          <p:cNvPr id="6" name="群組 5">
+            <a:extLst>
+              <a:ext uri="{FF2B5EF4-FFF2-40B4-BE49-F238E27FC236}">
+                <a16:creationId xmlns:a16="http://schemas.microsoft.com/office/drawing/2014/main" id="{25D840A7-4193-43F9-9775-233724D9068C}"/>
+              </a:ext>
+            </a:extLst>
+          </p:cNvPr>
+          <p:cNvGrpSpPr/>
+          <p:nvPr/>
+        </p:nvGrpSpPr>
+        <p:grpSpPr>
+          <a:xfrm>
+            <a:off x="6096000" y="1690688"/>
+            <a:ext cx="6515100" cy="6515100"/>
+            <a:chOff x="2667000" y="0"/>
+            <a:chExt cx="6858000" cy="6858000"/>
+          </a:xfrm>
+        </p:grpSpPr>
+        <p:sp>
+          <p:nvSpPr>
+            <p:cNvPr id="19" name="矩形 18">
+              <a:extLst>
+                <a:ext uri="{FF2B5EF4-FFF2-40B4-BE49-F238E27FC236}">
+                  <a16:creationId xmlns:a16="http://schemas.microsoft.com/office/drawing/2014/main" id="{1F93B65A-6937-4984-B081-83D0F799B5CE}"/>
+                </a:ext>
+              </a:extLst>
+            </p:cNvPr>
+            <p:cNvSpPr/>
+            <p:nvPr/>
+          </p:nvSpPr>
+          <p:spPr>
+            <a:xfrm>
+              <a:off x="2667000" y="0"/>
+              <a:ext cx="6858000" cy="6858000"/>
+            </a:xfrm>
+            <a:prstGeom prst="rect">
+              <a:avLst/>
+            </a:prstGeom>
+            <a:solidFill>
+              <a:srgbClr val="B8B8B8"/>
+            </a:solidFill>
+            <a:ln>
+              <a:noFill/>
+            </a:ln>
+          </p:spPr>
+          <p:style>
+            <a:lnRef idx="2">
+              <a:schemeClr val="accent1">
+                <a:shade val="50000"/>
+              </a:schemeClr>
+            </a:lnRef>
+            <a:fillRef idx="1">
+              <a:schemeClr val="accent1"/>
+            </a:fillRef>
+            <a:effectRef idx="0">
+              <a:schemeClr val="accent1"/>
+            </a:effectRef>
+            <a:fontRef idx="minor">
+              <a:schemeClr val="lt1"/>
+            </a:fontRef>
+          </p:style>
+          <p:txBody>
+            <a:bodyPr rtlCol="0" anchor="ctr"/>
+            <a:lstStyle/>
+            <a:p>
+              <a:pPr algn="ctr"/>
+              <a:endParaRPr lang="zh-TW" altLang="en-US"/>
+            </a:p>
+          </p:txBody>
+        </p:sp>
+        <p:sp>
+          <p:nvSpPr>
+            <p:cNvPr id="21" name="橢圓 20">
+              <a:extLst>
+                <a:ext uri="{FF2B5EF4-FFF2-40B4-BE49-F238E27FC236}">
+                  <a16:creationId xmlns:a16="http://schemas.microsoft.com/office/drawing/2014/main" id="{49CDCDF0-9C70-4211-8FB0-F9FA71854032}"/>
+                </a:ext>
+              </a:extLst>
+            </p:cNvPr>
+            <p:cNvSpPr/>
+            <p:nvPr/>
+          </p:nvSpPr>
+          <p:spPr>
+            <a:xfrm>
+              <a:off x="3101975" y="434975"/>
+              <a:ext cx="5988050" cy="5988050"/>
+            </a:xfrm>
+            <a:prstGeom prst="ellipse">
+              <a:avLst/>
+            </a:prstGeom>
+            <a:noFill/>
+            <a:ln w="76200">
+              <a:solidFill>
+                <a:schemeClr val="tx1"/>
+              </a:solidFill>
+            </a:ln>
+          </p:spPr>
+          <p:style>
+            <a:lnRef idx="2">
+              <a:schemeClr val="accent1">
+                <a:shade val="50000"/>
+              </a:schemeClr>
+            </a:lnRef>
+            <a:fillRef idx="1">
+              <a:schemeClr val="accent1"/>
+            </a:fillRef>
+            <a:effectRef idx="0">
+              <a:schemeClr val="accent1"/>
+            </a:effectRef>
+            <a:fontRef idx="minor">
+              <a:schemeClr val="lt1"/>
+            </a:fontRef>
+          </p:style>
+          <p:txBody>
+            <a:bodyPr rtlCol="0" anchor="ctr"/>
+            <a:lstStyle/>
+            <a:p>
+              <a:pPr algn="ctr"/>
+              <a:endParaRPr lang="zh-TW" altLang="en-US"/>
+            </a:p>
+          </p:txBody>
+        </p:sp>
+        <p:sp>
+          <p:nvSpPr>
+            <p:cNvPr id="22" name="橢圓 21">
+              <a:extLst>
+                <a:ext uri="{FF2B5EF4-FFF2-40B4-BE49-F238E27FC236}">
+                  <a16:creationId xmlns:a16="http://schemas.microsoft.com/office/drawing/2014/main" id="{70BBCC16-A1DA-40F2-A92C-07D05EBBB09A}"/>
+                </a:ext>
+              </a:extLst>
+            </p:cNvPr>
+            <p:cNvSpPr/>
+            <p:nvPr/>
+          </p:nvSpPr>
+          <p:spPr>
+            <a:xfrm>
+              <a:off x="3937000" y="1270000"/>
+              <a:ext cx="4318000" cy="4318000"/>
+            </a:xfrm>
+            <a:prstGeom prst="ellipse">
+              <a:avLst/>
+            </a:prstGeom>
+            <a:noFill/>
+            <a:ln w="76200">
+              <a:solidFill>
+                <a:schemeClr val="tx1"/>
+              </a:solidFill>
+            </a:ln>
+          </p:spPr>
+          <p:style>
+            <a:lnRef idx="2">
+              <a:schemeClr val="accent1">
+                <a:shade val="50000"/>
+              </a:schemeClr>
+            </a:lnRef>
+            <a:fillRef idx="1">
+              <a:schemeClr val="accent1"/>
+            </a:fillRef>
+            <a:effectRef idx="0">
+              <a:schemeClr val="accent1"/>
+            </a:effectRef>
+            <a:fontRef idx="minor">
+              <a:schemeClr val="lt1"/>
+            </a:fontRef>
+          </p:style>
+          <p:txBody>
+            <a:bodyPr rtlCol="0" anchor="ctr"/>
+            <a:lstStyle/>
+            <a:p>
+              <a:pPr algn="ctr"/>
+              <a:endParaRPr lang="zh-TW" altLang="en-US"/>
+            </a:p>
+          </p:txBody>
+        </p:sp>
+        <p:grpSp>
+          <p:nvGrpSpPr>
+            <p:cNvPr id="23" name="群組 22">
+              <a:extLst>
+                <a:ext uri="{FF2B5EF4-FFF2-40B4-BE49-F238E27FC236}">
+                  <a16:creationId xmlns:a16="http://schemas.microsoft.com/office/drawing/2014/main" id="{63D8D859-D4EA-4863-91C5-F5015A07B0AA}"/>
+                </a:ext>
+              </a:extLst>
+            </p:cNvPr>
+            <p:cNvGrpSpPr/>
+            <p:nvPr/>
+          </p:nvGrpSpPr>
+          <p:grpSpPr>
+            <a:xfrm>
+              <a:off x="5861050" y="627063"/>
+              <a:ext cx="469900" cy="469900"/>
+              <a:chOff x="5861050" y="627063"/>
+              <a:chExt cx="469900" cy="469900"/>
+            </a:xfrm>
+          </p:grpSpPr>
+          <p:sp>
+            <p:nvSpPr>
+              <p:cNvPr id="24" name="橢圓 23">
+                <a:extLst>
+                  <a:ext uri="{FF2B5EF4-FFF2-40B4-BE49-F238E27FC236}">
+                    <a16:creationId xmlns:a16="http://schemas.microsoft.com/office/drawing/2014/main" id="{ACD73D3B-D7C7-492D-8B68-A15106AE6448}"/>
+                  </a:ext>
+                </a:extLst>
+              </p:cNvPr>
+              <p:cNvSpPr/>
+              <p:nvPr/>
+            </p:nvSpPr>
+            <p:spPr>
+              <a:xfrm>
+                <a:off x="5861050" y="627063"/>
+                <a:ext cx="469900" cy="469900"/>
+              </a:xfrm>
+              <a:prstGeom prst="ellipse">
+                <a:avLst/>
+              </a:prstGeom>
+              <a:solidFill>
+                <a:srgbClr val="888888"/>
+              </a:solidFill>
+              <a:ln>
+                <a:solidFill>
+                  <a:schemeClr val="tx1"/>
+                </a:solidFill>
+              </a:ln>
+            </p:spPr>
+            <p:style>
+              <a:lnRef idx="2">
+                <a:schemeClr val="accent1">
+                  <a:shade val="50000"/>
+                </a:schemeClr>
+              </a:lnRef>
+              <a:fillRef idx="1">
+                <a:schemeClr val="accent1"/>
+              </a:fillRef>
+              <a:effectRef idx="0">
+                <a:schemeClr val="accent1"/>
+              </a:effectRef>
+              <a:fontRef idx="minor">
+                <a:schemeClr val="lt1"/>
+              </a:fontRef>
+            </p:style>
+            <p:txBody>
+              <a:bodyPr rtlCol="0" anchor="ctr"/>
+              <a:lstStyle/>
+              <a:p>
+                <a:pPr algn="ctr"/>
+                <a:endParaRPr lang="zh-TW" altLang="en-US"/>
+              </a:p>
+            </p:txBody>
+          </p:sp>
+          <p:sp>
+            <p:nvSpPr>
+              <p:cNvPr id="25" name="橢圓 24">
+                <a:extLst>
+                  <a:ext uri="{FF2B5EF4-FFF2-40B4-BE49-F238E27FC236}">
+                    <a16:creationId xmlns:a16="http://schemas.microsoft.com/office/drawing/2014/main" id="{BFA3329F-678C-4942-9D48-F9DCCE6B8C7D}"/>
+                  </a:ext>
+                </a:extLst>
+              </p:cNvPr>
+              <p:cNvSpPr/>
+              <p:nvPr/>
+            </p:nvSpPr>
+            <p:spPr>
+              <a:xfrm>
+                <a:off x="5949950" y="715963"/>
+                <a:ext cx="292100" cy="292100"/>
+              </a:xfrm>
+              <a:prstGeom prst="ellipse">
+                <a:avLst/>
+              </a:prstGeom>
+              <a:solidFill>
+                <a:srgbClr val="5C5C5C"/>
+              </a:solidFill>
+              <a:ln>
+                <a:solidFill>
+                  <a:schemeClr val="tx1"/>
+                </a:solidFill>
+              </a:ln>
+            </p:spPr>
+            <p:style>
+              <a:lnRef idx="2">
+                <a:schemeClr val="accent1">
+                  <a:shade val="50000"/>
+                </a:schemeClr>
+              </a:lnRef>
+              <a:fillRef idx="1">
+                <a:schemeClr val="accent1"/>
+              </a:fillRef>
+              <a:effectRef idx="0">
+                <a:schemeClr val="accent1"/>
+              </a:effectRef>
+              <a:fontRef idx="minor">
+                <a:schemeClr val="lt1"/>
+              </a:fontRef>
+            </p:style>
+            <p:txBody>
+              <a:bodyPr rtlCol="0" anchor="ctr"/>
+              <a:lstStyle/>
+              <a:p>
+                <a:pPr algn="ctr"/>
+                <a:endParaRPr lang="zh-TW" altLang="en-US"/>
+              </a:p>
+            </p:txBody>
+          </p:sp>
+        </p:grpSp>
+        <p:grpSp>
+          <p:nvGrpSpPr>
+            <p:cNvPr id="26" name="群組 25">
+              <a:extLst>
+                <a:ext uri="{FF2B5EF4-FFF2-40B4-BE49-F238E27FC236}">
+                  <a16:creationId xmlns:a16="http://schemas.microsoft.com/office/drawing/2014/main" id="{2C9EFFA5-ADFB-4C9A-950A-A7DCA6F7A17F}"/>
+                </a:ext>
+              </a:extLst>
+            </p:cNvPr>
+            <p:cNvGrpSpPr/>
+            <p:nvPr/>
+          </p:nvGrpSpPr>
+          <p:grpSpPr>
+            <a:xfrm>
+              <a:off x="5861050" y="5770562"/>
+              <a:ext cx="469900" cy="469900"/>
+              <a:chOff x="5861050" y="5761037"/>
+              <a:chExt cx="469900" cy="469900"/>
+            </a:xfrm>
+          </p:grpSpPr>
+          <p:sp>
+            <p:nvSpPr>
+              <p:cNvPr id="27" name="橢圓 26">
+                <a:extLst>
+                  <a:ext uri="{FF2B5EF4-FFF2-40B4-BE49-F238E27FC236}">
+                    <a16:creationId xmlns:a16="http://schemas.microsoft.com/office/drawing/2014/main" id="{CA509EAD-9027-48E7-9674-98DD7DF68FD6}"/>
+                  </a:ext>
+                </a:extLst>
+              </p:cNvPr>
+              <p:cNvSpPr/>
+              <p:nvPr/>
+            </p:nvSpPr>
+            <p:spPr>
+              <a:xfrm>
+                <a:off x="5861050" y="5761037"/>
+                <a:ext cx="469900" cy="469900"/>
+              </a:xfrm>
+              <a:prstGeom prst="ellipse">
+                <a:avLst/>
+              </a:prstGeom>
+              <a:solidFill>
+                <a:srgbClr val="888888"/>
+              </a:solidFill>
+              <a:ln>
+                <a:solidFill>
+                  <a:schemeClr val="tx1"/>
+                </a:solidFill>
+              </a:ln>
+            </p:spPr>
+            <p:style>
+              <a:lnRef idx="2">
+                <a:schemeClr val="accent1">
+                  <a:shade val="50000"/>
+                </a:schemeClr>
+              </a:lnRef>
+              <a:fillRef idx="1">
+                <a:schemeClr val="accent1"/>
+              </a:fillRef>
+              <a:effectRef idx="0">
+                <a:schemeClr val="accent1"/>
+              </a:effectRef>
+              <a:fontRef idx="minor">
+                <a:schemeClr val="lt1"/>
+              </a:fontRef>
+            </p:style>
+            <p:txBody>
+              <a:bodyPr rtlCol="0" anchor="ctr"/>
+              <a:lstStyle/>
+              <a:p>
+                <a:pPr algn="ctr"/>
+                <a:endParaRPr lang="zh-TW" altLang="en-US"/>
+              </a:p>
+            </p:txBody>
+          </p:sp>
+          <p:sp>
+            <p:nvSpPr>
+              <p:cNvPr id="28" name="橢圓 27">
+                <a:extLst>
+                  <a:ext uri="{FF2B5EF4-FFF2-40B4-BE49-F238E27FC236}">
+                    <a16:creationId xmlns:a16="http://schemas.microsoft.com/office/drawing/2014/main" id="{12C3C23D-98C8-4642-ADCE-2674701AD3EE}"/>
+                  </a:ext>
+                </a:extLst>
+              </p:cNvPr>
+              <p:cNvSpPr/>
+              <p:nvPr/>
+            </p:nvSpPr>
+            <p:spPr>
+              <a:xfrm>
+                <a:off x="5949950" y="5849937"/>
+                <a:ext cx="292100" cy="292100"/>
+              </a:xfrm>
+              <a:prstGeom prst="ellipse">
+                <a:avLst/>
+              </a:prstGeom>
+              <a:solidFill>
+                <a:srgbClr val="5C5C5C"/>
+              </a:solidFill>
+              <a:ln>
+                <a:solidFill>
+                  <a:schemeClr val="tx1"/>
+                </a:solidFill>
+              </a:ln>
+            </p:spPr>
+            <p:style>
+              <a:lnRef idx="2">
+                <a:schemeClr val="accent1">
+                  <a:shade val="50000"/>
+                </a:schemeClr>
+              </a:lnRef>
+              <a:fillRef idx="1">
+                <a:schemeClr val="accent1"/>
+              </a:fillRef>
+              <a:effectRef idx="0">
+                <a:schemeClr val="accent1"/>
+              </a:effectRef>
+              <a:fontRef idx="minor">
+                <a:schemeClr val="lt1"/>
+              </a:fontRef>
+            </p:style>
+            <p:txBody>
+              <a:bodyPr rtlCol="0" anchor="ctr"/>
+              <a:lstStyle/>
+              <a:p>
+                <a:pPr algn="ctr"/>
+                <a:endParaRPr lang="zh-TW" altLang="en-US"/>
+              </a:p>
+            </p:txBody>
+          </p:sp>
+        </p:grpSp>
+        <p:grpSp>
+          <p:nvGrpSpPr>
+            <p:cNvPr id="29" name="群組 28">
+              <a:extLst>
+                <a:ext uri="{FF2B5EF4-FFF2-40B4-BE49-F238E27FC236}">
+                  <a16:creationId xmlns:a16="http://schemas.microsoft.com/office/drawing/2014/main" id="{ED621201-A698-4554-8461-ECF636D22B91}"/>
+                </a:ext>
+              </a:extLst>
+            </p:cNvPr>
+            <p:cNvGrpSpPr/>
+            <p:nvPr/>
+          </p:nvGrpSpPr>
+          <p:grpSpPr>
+            <a:xfrm>
+              <a:off x="8437562" y="3194050"/>
+              <a:ext cx="469900" cy="469900"/>
+              <a:chOff x="5861050" y="627063"/>
+              <a:chExt cx="469900" cy="469900"/>
+            </a:xfrm>
+          </p:grpSpPr>
+          <p:sp>
+            <p:nvSpPr>
+              <p:cNvPr id="30" name="橢圓 29">
+                <a:extLst>
+                  <a:ext uri="{FF2B5EF4-FFF2-40B4-BE49-F238E27FC236}">
+                    <a16:creationId xmlns:a16="http://schemas.microsoft.com/office/drawing/2014/main" id="{88DEB371-EB57-40BD-BF8C-55B6B737D3B9}"/>
+                  </a:ext>
+                </a:extLst>
+              </p:cNvPr>
+              <p:cNvSpPr/>
+              <p:nvPr/>
+            </p:nvSpPr>
+            <p:spPr>
+              <a:xfrm>
+                <a:off x="5861050" y="627063"/>
+                <a:ext cx="469900" cy="469900"/>
+              </a:xfrm>
+              <a:prstGeom prst="ellipse">
+                <a:avLst/>
+              </a:prstGeom>
+              <a:solidFill>
+                <a:srgbClr val="888888"/>
+              </a:solidFill>
+              <a:ln>
+                <a:solidFill>
+                  <a:schemeClr val="tx1"/>
+                </a:solidFill>
+              </a:ln>
+            </p:spPr>
+            <p:style>
+              <a:lnRef idx="2">
+                <a:schemeClr val="accent1">
+                  <a:shade val="50000"/>
+                </a:schemeClr>
+              </a:lnRef>
+              <a:fillRef idx="1">
+                <a:schemeClr val="accent1"/>
+              </a:fillRef>
+              <a:effectRef idx="0">
+                <a:schemeClr val="accent1"/>
+              </a:effectRef>
+              <a:fontRef idx="minor">
+                <a:schemeClr val="lt1"/>
+              </a:fontRef>
+            </p:style>
+            <p:txBody>
+              <a:bodyPr rtlCol="0" anchor="ctr"/>
+              <a:lstStyle/>
+              <a:p>
+                <a:pPr algn="ctr"/>
+                <a:endParaRPr lang="zh-TW" altLang="en-US"/>
+              </a:p>
+            </p:txBody>
+          </p:sp>
+          <p:sp>
+            <p:nvSpPr>
+              <p:cNvPr id="31" name="橢圓 30">
+                <a:extLst>
+                  <a:ext uri="{FF2B5EF4-FFF2-40B4-BE49-F238E27FC236}">
+                    <a16:creationId xmlns:a16="http://schemas.microsoft.com/office/drawing/2014/main" id="{8F734DFE-EEF4-4BBD-89A8-190D7C1D65FF}"/>
+                  </a:ext>
+                </a:extLst>
+              </p:cNvPr>
+              <p:cNvSpPr/>
+              <p:nvPr/>
+            </p:nvSpPr>
+            <p:spPr>
+              <a:xfrm>
+                <a:off x="5949950" y="715963"/>
+                <a:ext cx="292100" cy="292100"/>
+              </a:xfrm>
+              <a:prstGeom prst="ellipse">
+                <a:avLst/>
+              </a:prstGeom>
+              <a:solidFill>
+                <a:srgbClr val="5C5C5C"/>
+              </a:solidFill>
+              <a:ln>
+                <a:solidFill>
+                  <a:schemeClr val="tx1"/>
+                </a:solidFill>
+              </a:ln>
+            </p:spPr>
+            <p:style>
+              <a:lnRef idx="2">
+                <a:schemeClr val="accent1">
+                  <a:shade val="50000"/>
+                </a:schemeClr>
+              </a:lnRef>
+              <a:fillRef idx="1">
+                <a:schemeClr val="accent1"/>
+              </a:fillRef>
+              <a:effectRef idx="0">
+                <a:schemeClr val="accent1"/>
+              </a:effectRef>
+              <a:fontRef idx="minor">
+                <a:schemeClr val="lt1"/>
+              </a:fontRef>
+            </p:style>
+            <p:txBody>
+              <a:bodyPr rtlCol="0" anchor="ctr"/>
+              <a:lstStyle/>
+              <a:p>
+                <a:pPr algn="ctr"/>
+                <a:endParaRPr lang="zh-TW" altLang="en-US"/>
+              </a:p>
+            </p:txBody>
+          </p:sp>
+        </p:grpSp>
+        <p:grpSp>
+          <p:nvGrpSpPr>
+            <p:cNvPr id="32" name="群組 31">
+              <a:extLst>
+                <a:ext uri="{FF2B5EF4-FFF2-40B4-BE49-F238E27FC236}">
+                  <a16:creationId xmlns:a16="http://schemas.microsoft.com/office/drawing/2014/main" id="{61A985E6-FACF-49E5-8F85-D265AFD3704B}"/>
+                </a:ext>
+              </a:extLst>
+            </p:cNvPr>
+            <p:cNvGrpSpPr/>
+            <p:nvPr/>
+          </p:nvGrpSpPr>
+          <p:grpSpPr>
+            <a:xfrm>
+              <a:off x="3284538" y="3194050"/>
+              <a:ext cx="469900" cy="469900"/>
+              <a:chOff x="5861050" y="627063"/>
+              <a:chExt cx="469900" cy="469900"/>
+            </a:xfrm>
+          </p:grpSpPr>
+          <p:sp>
+            <p:nvSpPr>
+              <p:cNvPr id="33" name="橢圓 32">
+                <a:extLst>
+                  <a:ext uri="{FF2B5EF4-FFF2-40B4-BE49-F238E27FC236}">
+                    <a16:creationId xmlns:a16="http://schemas.microsoft.com/office/drawing/2014/main" id="{6DC8462F-E4E7-416D-97DE-7FF20BDC7DEA}"/>
+                  </a:ext>
+                </a:extLst>
+              </p:cNvPr>
+              <p:cNvSpPr/>
+              <p:nvPr/>
+            </p:nvSpPr>
+            <p:spPr>
+              <a:xfrm>
+                <a:off x="5861050" y="627063"/>
+                <a:ext cx="469900" cy="469900"/>
+              </a:xfrm>
+              <a:prstGeom prst="ellipse">
+                <a:avLst/>
+              </a:prstGeom>
+              <a:solidFill>
+                <a:srgbClr val="888888"/>
+              </a:solidFill>
+              <a:ln>
+                <a:solidFill>
+                  <a:schemeClr val="tx1"/>
+                </a:solidFill>
+              </a:ln>
+            </p:spPr>
+            <p:style>
+              <a:lnRef idx="2">
+                <a:schemeClr val="accent1">
+                  <a:shade val="50000"/>
+                </a:schemeClr>
+              </a:lnRef>
+              <a:fillRef idx="1">
+                <a:schemeClr val="accent1"/>
+              </a:fillRef>
+              <a:effectRef idx="0">
+                <a:schemeClr val="accent1"/>
+              </a:effectRef>
+              <a:fontRef idx="minor">
+                <a:schemeClr val="lt1"/>
+              </a:fontRef>
+            </p:style>
+            <p:txBody>
+              <a:bodyPr rtlCol="0" anchor="ctr"/>
+              <a:lstStyle/>
+              <a:p>
+                <a:pPr algn="ctr"/>
+                <a:endParaRPr lang="zh-TW" altLang="en-US"/>
+              </a:p>
+            </p:txBody>
+          </p:sp>
+          <p:sp>
+            <p:nvSpPr>
+              <p:cNvPr id="34" name="橢圓 33">
+                <a:extLst>
+                  <a:ext uri="{FF2B5EF4-FFF2-40B4-BE49-F238E27FC236}">
+                    <a16:creationId xmlns:a16="http://schemas.microsoft.com/office/drawing/2014/main" id="{90AB79C9-6A2F-4CA5-851C-ABF1457B9765}"/>
+                  </a:ext>
+                </a:extLst>
+              </p:cNvPr>
+              <p:cNvSpPr/>
+              <p:nvPr/>
+            </p:nvSpPr>
+            <p:spPr>
+              <a:xfrm>
+                <a:off x="5949950" y="715963"/>
+                <a:ext cx="292100" cy="292100"/>
+              </a:xfrm>
+              <a:prstGeom prst="ellipse">
+                <a:avLst/>
+              </a:prstGeom>
+              <a:solidFill>
+                <a:srgbClr val="5C5C5C"/>
+              </a:solidFill>
+              <a:ln>
+                <a:solidFill>
+                  <a:schemeClr val="tx1"/>
+                </a:solidFill>
+              </a:ln>
+            </p:spPr>
+            <p:style>
+              <a:lnRef idx="2">
+                <a:schemeClr val="accent1">
+                  <a:shade val="50000"/>
+                </a:schemeClr>
+              </a:lnRef>
+              <a:fillRef idx="1">
+                <a:schemeClr val="accent1"/>
+              </a:fillRef>
+              <a:effectRef idx="0">
+                <a:schemeClr val="accent1"/>
+              </a:effectRef>
+              <a:fontRef idx="minor">
+                <a:schemeClr val="lt1"/>
+              </a:fontRef>
+            </p:style>
+            <p:txBody>
+              <a:bodyPr rtlCol="0" anchor="ctr"/>
+              <a:lstStyle/>
+              <a:p>
+                <a:pPr algn="ctr"/>
+                <a:endParaRPr lang="zh-TW" altLang="en-US"/>
+              </a:p>
+            </p:txBody>
+          </p:sp>
+        </p:grpSp>
+        <p:grpSp>
+          <p:nvGrpSpPr>
+            <p:cNvPr id="35" name="群組 34">
+              <a:extLst>
+                <a:ext uri="{FF2B5EF4-FFF2-40B4-BE49-F238E27FC236}">
+                  <a16:creationId xmlns:a16="http://schemas.microsoft.com/office/drawing/2014/main" id="{D4ACAE43-A772-4B3F-A6C8-584300C97937}"/>
+                </a:ext>
+              </a:extLst>
+            </p:cNvPr>
+            <p:cNvGrpSpPr/>
+            <p:nvPr/>
+          </p:nvGrpSpPr>
+          <p:grpSpPr>
+            <a:xfrm>
+              <a:off x="7708900" y="4989512"/>
+              <a:ext cx="469900" cy="469900"/>
+              <a:chOff x="5861050" y="5761037"/>
+              <a:chExt cx="469900" cy="469900"/>
+            </a:xfrm>
+          </p:grpSpPr>
+          <p:sp>
+            <p:nvSpPr>
+              <p:cNvPr id="36" name="橢圓 35">
+                <a:extLst>
+                  <a:ext uri="{FF2B5EF4-FFF2-40B4-BE49-F238E27FC236}">
+                    <a16:creationId xmlns:a16="http://schemas.microsoft.com/office/drawing/2014/main" id="{378FCAC5-73CB-4026-BE01-B8C129F0DD61}"/>
+                  </a:ext>
+                </a:extLst>
+              </p:cNvPr>
+              <p:cNvSpPr/>
+              <p:nvPr/>
+            </p:nvSpPr>
+            <p:spPr>
+              <a:xfrm>
+                <a:off x="5861050" y="5761037"/>
+                <a:ext cx="469900" cy="469900"/>
+              </a:xfrm>
+              <a:prstGeom prst="ellipse">
+                <a:avLst/>
+              </a:prstGeom>
+              <a:solidFill>
+                <a:srgbClr val="888888"/>
+              </a:solidFill>
+              <a:ln>
+                <a:solidFill>
+                  <a:schemeClr val="tx1"/>
+                </a:solidFill>
+              </a:ln>
+            </p:spPr>
+            <p:style>
+              <a:lnRef idx="2">
+                <a:schemeClr val="accent1">
+                  <a:shade val="50000"/>
+                </a:schemeClr>
+              </a:lnRef>
+              <a:fillRef idx="1">
+                <a:schemeClr val="accent1"/>
+              </a:fillRef>
+              <a:effectRef idx="0">
+                <a:schemeClr val="accent1"/>
+              </a:effectRef>
+              <a:fontRef idx="minor">
+                <a:schemeClr val="lt1"/>
+              </a:fontRef>
+            </p:style>
+            <p:txBody>
+              <a:bodyPr rtlCol="0" anchor="ctr"/>
+              <a:lstStyle/>
+              <a:p>
+                <a:pPr algn="ctr"/>
+                <a:endParaRPr lang="zh-TW" altLang="en-US"/>
+              </a:p>
+            </p:txBody>
+          </p:sp>
+          <p:sp>
+            <p:nvSpPr>
+              <p:cNvPr id="37" name="橢圓 36">
+                <a:extLst>
+                  <a:ext uri="{FF2B5EF4-FFF2-40B4-BE49-F238E27FC236}">
+                    <a16:creationId xmlns:a16="http://schemas.microsoft.com/office/drawing/2014/main" id="{06881A26-3B20-4EF4-91A4-89B2FA8E3199}"/>
+                  </a:ext>
+                </a:extLst>
+              </p:cNvPr>
+              <p:cNvSpPr/>
+              <p:nvPr/>
+            </p:nvSpPr>
+            <p:spPr>
+              <a:xfrm>
+                <a:off x="5949950" y="5849937"/>
+                <a:ext cx="292100" cy="292100"/>
+              </a:xfrm>
+              <a:prstGeom prst="ellipse">
+                <a:avLst/>
+              </a:prstGeom>
+              <a:solidFill>
+                <a:srgbClr val="5C5C5C"/>
+              </a:solidFill>
+              <a:ln>
+                <a:solidFill>
+                  <a:schemeClr val="tx1"/>
+                </a:solidFill>
+              </a:ln>
+            </p:spPr>
+            <p:style>
+              <a:lnRef idx="2">
+                <a:schemeClr val="accent1">
+                  <a:shade val="50000"/>
+                </a:schemeClr>
+              </a:lnRef>
+              <a:fillRef idx="1">
+                <a:schemeClr val="accent1"/>
+              </a:fillRef>
+              <a:effectRef idx="0">
+                <a:schemeClr val="accent1"/>
+              </a:effectRef>
+              <a:fontRef idx="minor">
+                <a:schemeClr val="lt1"/>
+              </a:fontRef>
+            </p:style>
+            <p:txBody>
+              <a:bodyPr rtlCol="0" anchor="ctr"/>
+              <a:lstStyle/>
+              <a:p>
+                <a:pPr algn="ctr"/>
+                <a:endParaRPr lang="zh-TW" altLang="en-US"/>
+              </a:p>
+            </p:txBody>
+          </p:sp>
+        </p:grpSp>
+        <p:grpSp>
+          <p:nvGrpSpPr>
+            <p:cNvPr id="38" name="群組 37">
+              <a:extLst>
+                <a:ext uri="{FF2B5EF4-FFF2-40B4-BE49-F238E27FC236}">
+                  <a16:creationId xmlns:a16="http://schemas.microsoft.com/office/drawing/2014/main" id="{27591183-DE97-443B-AE49-A054D4C105AB}"/>
+                </a:ext>
+              </a:extLst>
+            </p:cNvPr>
+            <p:cNvGrpSpPr/>
+            <p:nvPr/>
+          </p:nvGrpSpPr>
+          <p:grpSpPr>
+            <a:xfrm>
+              <a:off x="7708900" y="1427162"/>
+              <a:ext cx="469900" cy="469900"/>
+              <a:chOff x="5861050" y="5761037"/>
+              <a:chExt cx="469900" cy="469900"/>
+            </a:xfrm>
+          </p:grpSpPr>
+          <p:sp>
+            <p:nvSpPr>
+              <p:cNvPr id="39" name="橢圓 38">
+                <a:extLst>
+                  <a:ext uri="{FF2B5EF4-FFF2-40B4-BE49-F238E27FC236}">
+                    <a16:creationId xmlns:a16="http://schemas.microsoft.com/office/drawing/2014/main" id="{08D5502F-A82C-4C8D-8C2A-0D2B9E640C62}"/>
+                  </a:ext>
+                </a:extLst>
+              </p:cNvPr>
+              <p:cNvSpPr/>
+              <p:nvPr/>
+            </p:nvSpPr>
+            <p:spPr>
+              <a:xfrm>
+                <a:off x="5861050" y="5761037"/>
+                <a:ext cx="469900" cy="469900"/>
+              </a:xfrm>
+              <a:prstGeom prst="ellipse">
+                <a:avLst/>
+              </a:prstGeom>
+              <a:solidFill>
+                <a:srgbClr val="888888"/>
+              </a:solidFill>
+              <a:ln>
+                <a:solidFill>
+                  <a:schemeClr val="tx1"/>
+                </a:solidFill>
+              </a:ln>
+            </p:spPr>
+            <p:style>
+              <a:lnRef idx="2">
+                <a:schemeClr val="accent1">
+                  <a:shade val="50000"/>
+                </a:schemeClr>
+              </a:lnRef>
+              <a:fillRef idx="1">
+                <a:schemeClr val="accent1"/>
+              </a:fillRef>
+              <a:effectRef idx="0">
+                <a:schemeClr val="accent1"/>
+              </a:effectRef>
+              <a:fontRef idx="minor">
+                <a:schemeClr val="lt1"/>
+              </a:fontRef>
+            </p:style>
+            <p:txBody>
+              <a:bodyPr rtlCol="0" anchor="ctr"/>
+              <a:lstStyle/>
+              <a:p>
+                <a:pPr algn="ctr"/>
+                <a:endParaRPr lang="zh-TW" altLang="en-US"/>
+              </a:p>
+            </p:txBody>
+          </p:sp>
+          <p:sp>
+            <p:nvSpPr>
+              <p:cNvPr id="40" name="橢圓 39">
+                <a:extLst>
+                  <a:ext uri="{FF2B5EF4-FFF2-40B4-BE49-F238E27FC236}">
+                    <a16:creationId xmlns:a16="http://schemas.microsoft.com/office/drawing/2014/main" id="{7C37D636-22B8-4838-AF0D-B62DE0570B69}"/>
+                  </a:ext>
+                </a:extLst>
+              </p:cNvPr>
+              <p:cNvSpPr/>
+              <p:nvPr/>
+            </p:nvSpPr>
+            <p:spPr>
+              <a:xfrm>
+                <a:off x="5949950" y="5849937"/>
+                <a:ext cx="292100" cy="292100"/>
+              </a:xfrm>
+              <a:prstGeom prst="ellipse">
+                <a:avLst/>
+              </a:prstGeom>
+              <a:solidFill>
+                <a:srgbClr val="5C5C5C"/>
+              </a:solidFill>
+              <a:ln>
+                <a:solidFill>
+                  <a:schemeClr val="tx1"/>
+                </a:solidFill>
+              </a:ln>
+            </p:spPr>
+            <p:style>
+              <a:lnRef idx="2">
+                <a:schemeClr val="accent1">
+                  <a:shade val="50000"/>
+                </a:schemeClr>
+              </a:lnRef>
+              <a:fillRef idx="1">
+                <a:schemeClr val="accent1"/>
+              </a:fillRef>
+              <a:effectRef idx="0">
+                <a:schemeClr val="accent1"/>
+              </a:effectRef>
+              <a:fontRef idx="minor">
+                <a:schemeClr val="lt1"/>
+              </a:fontRef>
+            </p:style>
+            <p:txBody>
+              <a:bodyPr rtlCol="0" anchor="ctr"/>
+              <a:lstStyle/>
+              <a:p>
+                <a:pPr algn="ctr"/>
+                <a:endParaRPr lang="zh-TW" altLang="en-US"/>
+              </a:p>
+            </p:txBody>
+          </p:sp>
+        </p:grpSp>
+        <p:grpSp>
+          <p:nvGrpSpPr>
+            <p:cNvPr id="41" name="群組 40">
+              <a:extLst>
+                <a:ext uri="{FF2B5EF4-FFF2-40B4-BE49-F238E27FC236}">
+                  <a16:creationId xmlns:a16="http://schemas.microsoft.com/office/drawing/2014/main" id="{2D7AD388-3A83-4FE2-9C6D-82E75F8220AE}"/>
+                </a:ext>
+              </a:extLst>
+            </p:cNvPr>
+            <p:cNvGrpSpPr/>
+            <p:nvPr/>
+          </p:nvGrpSpPr>
+          <p:grpSpPr>
+            <a:xfrm>
+              <a:off x="3994150" y="1427162"/>
+              <a:ext cx="469900" cy="469900"/>
+              <a:chOff x="5861050" y="5761037"/>
+              <a:chExt cx="469900" cy="469900"/>
+            </a:xfrm>
+          </p:grpSpPr>
+          <p:sp>
+            <p:nvSpPr>
+              <p:cNvPr id="42" name="橢圓 41">
+                <a:extLst>
+                  <a:ext uri="{FF2B5EF4-FFF2-40B4-BE49-F238E27FC236}">
+                    <a16:creationId xmlns:a16="http://schemas.microsoft.com/office/drawing/2014/main" id="{6E4B61BB-6DA7-497E-BA65-A16A189D6F93}"/>
+                  </a:ext>
+                </a:extLst>
+              </p:cNvPr>
+              <p:cNvSpPr/>
+              <p:nvPr/>
+            </p:nvSpPr>
+            <p:spPr>
+              <a:xfrm>
+                <a:off x="5861050" y="5761037"/>
+                <a:ext cx="469900" cy="469900"/>
+              </a:xfrm>
+              <a:prstGeom prst="ellipse">
+                <a:avLst/>
+              </a:prstGeom>
+              <a:solidFill>
+                <a:srgbClr val="888888"/>
+              </a:solidFill>
+              <a:ln>
+                <a:solidFill>
+                  <a:schemeClr val="tx1"/>
+                </a:solidFill>
+              </a:ln>
+            </p:spPr>
+            <p:style>
+              <a:lnRef idx="2">
+                <a:schemeClr val="accent1">
+                  <a:shade val="50000"/>
+                </a:schemeClr>
+              </a:lnRef>
+              <a:fillRef idx="1">
+                <a:schemeClr val="accent1"/>
+              </a:fillRef>
+              <a:effectRef idx="0">
+                <a:schemeClr val="accent1"/>
+              </a:effectRef>
+              <a:fontRef idx="minor">
+                <a:schemeClr val="lt1"/>
+              </a:fontRef>
+            </p:style>
+            <p:txBody>
+              <a:bodyPr rtlCol="0" anchor="ctr"/>
+              <a:lstStyle/>
+              <a:p>
+                <a:pPr algn="ctr"/>
+                <a:endParaRPr lang="zh-TW" altLang="en-US"/>
+              </a:p>
+            </p:txBody>
+          </p:sp>
+          <p:sp>
+            <p:nvSpPr>
+              <p:cNvPr id="43" name="橢圓 42">
+                <a:extLst>
+                  <a:ext uri="{FF2B5EF4-FFF2-40B4-BE49-F238E27FC236}">
+                    <a16:creationId xmlns:a16="http://schemas.microsoft.com/office/drawing/2014/main" id="{118566CB-6C9F-4BDC-B77E-2FF076C1A2AD}"/>
+                  </a:ext>
+                </a:extLst>
+              </p:cNvPr>
+              <p:cNvSpPr/>
+              <p:nvPr/>
+            </p:nvSpPr>
+            <p:spPr>
+              <a:xfrm>
+                <a:off x="5949950" y="5849937"/>
+                <a:ext cx="292100" cy="292100"/>
+              </a:xfrm>
+              <a:prstGeom prst="ellipse">
+                <a:avLst/>
+              </a:prstGeom>
+              <a:solidFill>
+                <a:srgbClr val="5C5C5C"/>
+              </a:solidFill>
+              <a:ln>
+                <a:solidFill>
+                  <a:schemeClr val="tx1"/>
+                </a:solidFill>
+              </a:ln>
+            </p:spPr>
+            <p:style>
+              <a:lnRef idx="2">
+                <a:schemeClr val="accent1">
+                  <a:shade val="50000"/>
+                </a:schemeClr>
+              </a:lnRef>
+              <a:fillRef idx="1">
+                <a:schemeClr val="accent1"/>
+              </a:fillRef>
+              <a:effectRef idx="0">
+                <a:schemeClr val="accent1"/>
+              </a:effectRef>
+              <a:fontRef idx="minor">
+                <a:schemeClr val="lt1"/>
+              </a:fontRef>
+            </p:style>
+            <p:txBody>
+              <a:bodyPr rtlCol="0" anchor="ctr"/>
+              <a:lstStyle/>
+              <a:p>
+                <a:pPr algn="ctr"/>
+                <a:endParaRPr lang="zh-TW" altLang="en-US"/>
+              </a:p>
+            </p:txBody>
+          </p:sp>
+        </p:grpSp>
+        <p:grpSp>
+          <p:nvGrpSpPr>
+            <p:cNvPr id="44" name="群組 43">
+              <a:extLst>
+                <a:ext uri="{FF2B5EF4-FFF2-40B4-BE49-F238E27FC236}">
+                  <a16:creationId xmlns:a16="http://schemas.microsoft.com/office/drawing/2014/main" id="{8ED20757-8483-4901-B7F6-4369B51936CC}"/>
+                </a:ext>
+              </a:extLst>
+            </p:cNvPr>
+            <p:cNvGrpSpPr/>
+            <p:nvPr/>
+          </p:nvGrpSpPr>
+          <p:grpSpPr>
+            <a:xfrm>
+              <a:off x="3994150" y="5008562"/>
+              <a:ext cx="469900" cy="469900"/>
+              <a:chOff x="5861050" y="5761037"/>
+              <a:chExt cx="469900" cy="469900"/>
+            </a:xfrm>
+          </p:grpSpPr>
+          <p:sp>
+            <p:nvSpPr>
+              <p:cNvPr id="45" name="橢圓 44">
+                <a:extLst>
+                  <a:ext uri="{FF2B5EF4-FFF2-40B4-BE49-F238E27FC236}">
+                    <a16:creationId xmlns:a16="http://schemas.microsoft.com/office/drawing/2014/main" id="{BB8DDB67-B756-4082-963B-6D0A5E99765D}"/>
+                  </a:ext>
+                </a:extLst>
+              </p:cNvPr>
+              <p:cNvSpPr/>
+              <p:nvPr/>
+            </p:nvSpPr>
+            <p:spPr>
+              <a:xfrm>
+                <a:off x="5861050" y="5761037"/>
+                <a:ext cx="469900" cy="469900"/>
+              </a:xfrm>
+              <a:prstGeom prst="ellipse">
+                <a:avLst/>
+              </a:prstGeom>
+              <a:solidFill>
+                <a:srgbClr val="888888"/>
+              </a:solidFill>
+              <a:ln>
+                <a:solidFill>
+                  <a:schemeClr val="tx1"/>
+                </a:solidFill>
+              </a:ln>
+            </p:spPr>
+            <p:style>
+              <a:lnRef idx="2">
+                <a:schemeClr val="accent1">
+                  <a:shade val="50000"/>
+                </a:schemeClr>
+              </a:lnRef>
+              <a:fillRef idx="1">
+                <a:schemeClr val="accent1"/>
+              </a:fillRef>
+              <a:effectRef idx="0">
+                <a:schemeClr val="accent1"/>
+              </a:effectRef>
+              <a:fontRef idx="minor">
+                <a:schemeClr val="lt1"/>
+              </a:fontRef>
+            </p:style>
+            <p:txBody>
+              <a:bodyPr rtlCol="0" anchor="ctr"/>
+              <a:lstStyle/>
+              <a:p>
+                <a:pPr algn="ctr"/>
+                <a:endParaRPr lang="zh-TW" altLang="en-US"/>
+              </a:p>
+            </p:txBody>
+          </p:sp>
+          <p:sp>
+            <p:nvSpPr>
+              <p:cNvPr id="46" name="橢圓 45">
+                <a:extLst>
+                  <a:ext uri="{FF2B5EF4-FFF2-40B4-BE49-F238E27FC236}">
+                    <a16:creationId xmlns:a16="http://schemas.microsoft.com/office/drawing/2014/main" id="{0DF49502-ACF0-4024-B2C1-A326FFE01F9D}"/>
+                  </a:ext>
+                </a:extLst>
+              </p:cNvPr>
+              <p:cNvSpPr/>
+              <p:nvPr/>
+            </p:nvSpPr>
+            <p:spPr>
+              <a:xfrm>
+                <a:off x="5949950" y="5849937"/>
+                <a:ext cx="292100" cy="292100"/>
+              </a:xfrm>
+              <a:prstGeom prst="ellipse">
+                <a:avLst/>
+              </a:prstGeom>
+              <a:solidFill>
+                <a:srgbClr val="5C5C5C"/>
+              </a:solidFill>
+              <a:ln>
+                <a:solidFill>
+                  <a:schemeClr val="tx1"/>
+                </a:solidFill>
+              </a:ln>
+            </p:spPr>
+            <p:style>
+              <a:lnRef idx="2">
+                <a:schemeClr val="accent1">
+                  <a:shade val="50000"/>
+                </a:schemeClr>
+              </a:lnRef>
+              <a:fillRef idx="1">
+                <a:schemeClr val="accent1"/>
+              </a:fillRef>
+              <a:effectRef idx="0">
+                <a:schemeClr val="accent1"/>
+              </a:effectRef>
+              <a:fontRef idx="minor">
+                <a:schemeClr val="lt1"/>
+              </a:fontRef>
+            </p:style>
+            <p:txBody>
+              <a:bodyPr rtlCol="0" anchor="ctr"/>
+              <a:lstStyle/>
+              <a:p>
+                <a:pPr algn="ctr"/>
+                <a:endParaRPr lang="zh-TW" altLang="en-US"/>
+              </a:p>
+            </p:txBody>
+          </p:sp>
+        </p:grpSp>
+      </p:grpSp>
+      <p:sp>
+        <p:nvSpPr>
+          <p:cNvPr id="9" name="矩形 8">
+            <a:extLst>
+              <a:ext uri="{FF2B5EF4-FFF2-40B4-BE49-F238E27FC236}">
+                <a16:creationId xmlns:a16="http://schemas.microsoft.com/office/drawing/2014/main" id="{A764C354-2769-4A70-B204-E19D833EE3E4}"/>
+              </a:ext>
+            </a:extLst>
+          </p:cNvPr>
+          <p:cNvSpPr/>
+          <p:nvPr/>
+        </p:nvSpPr>
+        <p:spPr>
+          <a:xfrm>
+            <a:off x="-419100" y="8201298"/>
+            <a:ext cx="13030200" cy="6515099"/>
+          </a:xfrm>
+          <a:prstGeom prst="rect">
+            <a:avLst/>
+          </a:prstGeom>
+          <a:noFill/>
+          <a:ln>
+            <a:noFill/>
+          </a:ln>
+        </p:spPr>
+        <p:style>
+          <a:lnRef idx="2">
+            <a:schemeClr val="accent1">
+              <a:shade val="50000"/>
+            </a:schemeClr>
+          </a:lnRef>
+          <a:fillRef idx="1">
+            <a:schemeClr val="accent1"/>
+          </a:fillRef>
+          <a:effectRef idx="0">
+            <a:schemeClr val="accent1"/>
+          </a:effectRef>
+          <a:fontRef idx="minor">
+            <a:schemeClr val="lt1"/>
+          </a:fontRef>
+        </p:style>
+        <p:txBody>
+          <a:bodyPr rtlCol="0" anchor="ctr"/>
+          <a:lstStyle/>
+          <a:p>
+            <a:pPr algn="ctr"/>
+            <a:endParaRPr lang="zh-TW" altLang="en-US"/>
+          </a:p>
+        </p:txBody>
+      </p:sp>
+      <p:pic>
+        <p:nvPicPr>
+          <p:cNvPr id="78" name="圖片 77">
+            <a:extLst>
+              <a:ext uri="{FF2B5EF4-FFF2-40B4-BE49-F238E27FC236}">
+                <a16:creationId xmlns:a16="http://schemas.microsoft.com/office/drawing/2014/main" id="{C8D2D617-8C0F-44B2-AE7D-2D7106865AE1}"/>
+              </a:ext>
+            </a:extLst>
+          </p:cNvPr>
+          <p:cNvPicPr>
+            <a:picLocks noChangeAspect="1"/>
+          </p:cNvPicPr>
+          <p:nvPr/>
+        </p:nvPicPr>
+        <p:blipFill>
+          <a:blip r:embed="rId4"/>
+          <a:stretch>
+            <a:fillRect/>
+          </a:stretch>
+        </p:blipFill>
+        <p:spPr>
+          <a:xfrm>
+            <a:off x="90349" y="-4580391"/>
+            <a:ext cx="6861209" cy="6858000"/>
+          </a:xfrm>
+          <a:prstGeom prst="rect">
+            <a:avLst/>
+          </a:prstGeom>
+        </p:spPr>
+      </p:pic>
+      <p:pic>
+        <p:nvPicPr>
+          <p:cNvPr id="148" name="圖片 147">
+            <a:extLst>
+              <a:ext uri="{FF2B5EF4-FFF2-40B4-BE49-F238E27FC236}">
+                <a16:creationId xmlns:a16="http://schemas.microsoft.com/office/drawing/2014/main" id="{E74E9BF6-06AE-4EA3-85F8-500CA889CAFB}"/>
+              </a:ext>
+            </a:extLst>
+          </p:cNvPr>
+          <p:cNvPicPr>
+            <a:picLocks noChangeAspect="1"/>
+          </p:cNvPicPr>
+          <p:nvPr/>
+        </p:nvPicPr>
+        <p:blipFill>
+          <a:blip r:embed="rId5"/>
+          <a:stretch>
+            <a:fillRect/>
+          </a:stretch>
+        </p:blipFill>
+        <p:spPr>
+          <a:xfrm>
+            <a:off x="15873103" y="-780652"/>
+            <a:ext cx="6861209" cy="6858000"/>
+          </a:xfrm>
+          <a:prstGeom prst="rect">
+            <a:avLst/>
+          </a:prstGeom>
+        </p:spPr>
+      </p:pic>
+    </p:spTree>
+    <p:extLst>
+      <p:ext uri="{BB962C8B-B14F-4D97-AF65-F5344CB8AC3E}">
+        <p14:creationId xmlns:p14="http://schemas.microsoft.com/office/powerpoint/2010/main" val="1730035462"/>
+      </p:ext>
+    </p:extLst>
+  </p:cSld>
+  <p:clrMapOvr>
+    <a:masterClrMapping/>
+  </p:clrMapOvr>
+</p:sld>
+</file>
+
+<file path=ppt/slides/slide5.xml><?xml version="1.0" encoding="utf-8"?>
+<p:sld xmlns:a="http://schemas.openxmlformats.org/drawingml/2006/main" xmlns:r="http://schemas.openxmlformats.org/officeDocument/2006/relationships" xmlns:p="http://schemas.openxmlformats.org/presentationml/2006/main">
+  <p:cSld>
+    <p:spTree>
+      <p:nvGrpSpPr>
+        <p:cNvPr id="1" name=""/>
+        <p:cNvGrpSpPr/>
+        <p:nvPr/>
+      </p:nvGrpSpPr>
+      <p:grpSpPr>
+        <a:xfrm>
+          <a:off x="0" y="0"/>
+          <a:ext cx="0" cy="0"/>
+          <a:chOff x="0" y="0"/>
+          <a:chExt cx="0" cy="0"/>
+        </a:xfrm>
+      </p:grpSpPr>
+      <p:sp>
+        <p:nvSpPr>
+          <p:cNvPr id="4" name="矩形 3">
+            <a:extLst>
+              <a:ext uri="{FF2B5EF4-FFF2-40B4-BE49-F238E27FC236}">
+                <a16:creationId xmlns:a16="http://schemas.microsoft.com/office/drawing/2014/main" id="{720340EA-B695-44B5-A3F2-B1EC32D1EA85}"/>
+              </a:ext>
+            </a:extLst>
+          </p:cNvPr>
+          <p:cNvSpPr/>
+          <p:nvPr/>
+        </p:nvSpPr>
+        <p:spPr>
+          <a:xfrm>
+            <a:off x="2667000" y="0"/>
+            <a:ext cx="6858000" cy="6858000"/>
+          </a:xfrm>
+          <a:prstGeom prst="rect">
+            <a:avLst/>
+          </a:prstGeom>
+          <a:solidFill>
+            <a:srgbClr val="B8B8B8"/>
+          </a:solidFill>
+          <a:ln>
+            <a:noFill/>
+          </a:ln>
+        </p:spPr>
+        <p:style>
+          <a:lnRef idx="2">
+            <a:schemeClr val="accent1">
+              <a:shade val="50000"/>
+            </a:schemeClr>
+          </a:lnRef>
+          <a:fillRef idx="1">
+            <a:schemeClr val="accent1"/>
+          </a:fillRef>
+          <a:effectRef idx="0">
+            <a:schemeClr val="accent1"/>
+          </a:effectRef>
+          <a:fontRef idx="minor">
+            <a:schemeClr val="lt1"/>
+          </a:fontRef>
+        </p:style>
+        <p:txBody>
+          <a:bodyPr rtlCol="0" anchor="ctr"/>
+          <a:lstStyle/>
+          <a:p>
+            <a:pPr algn="ctr"/>
+            <a:endParaRPr lang="zh-TW" altLang="en-US"/>
+          </a:p>
+        </p:txBody>
+      </p:sp>
+      <p:sp>
+        <p:nvSpPr>
+          <p:cNvPr id="5" name="橢圓 4">
+            <a:extLst>
+              <a:ext uri="{FF2B5EF4-FFF2-40B4-BE49-F238E27FC236}">
+                <a16:creationId xmlns:a16="http://schemas.microsoft.com/office/drawing/2014/main" id="{8A06188E-AB4B-4F1A-A6BE-74611DD18EB1}"/>
+              </a:ext>
+            </a:extLst>
+          </p:cNvPr>
+          <p:cNvSpPr/>
+          <p:nvPr/>
+        </p:nvSpPr>
+        <p:spPr>
+          <a:xfrm>
+            <a:off x="3101975" y="434975"/>
+            <a:ext cx="5988050" cy="5988050"/>
+          </a:xfrm>
+          <a:prstGeom prst="ellipse">
+            <a:avLst/>
+          </a:prstGeom>
+          <a:noFill/>
+          <a:ln w="76200">
+            <a:solidFill>
+              <a:schemeClr val="tx1"/>
+            </a:solidFill>
+          </a:ln>
+        </p:spPr>
+        <p:style>
+          <a:lnRef idx="2">
+            <a:schemeClr val="accent1">
+              <a:shade val="50000"/>
+            </a:schemeClr>
+          </a:lnRef>
+          <a:fillRef idx="1">
+            <a:schemeClr val="accent1"/>
+          </a:fillRef>
+          <a:effectRef idx="0">
+            <a:schemeClr val="accent1"/>
+          </a:effectRef>
+          <a:fontRef idx="minor">
+            <a:schemeClr val="lt1"/>
+          </a:fontRef>
+        </p:style>
+        <p:txBody>
+          <a:bodyPr rtlCol="0" anchor="ctr"/>
+          <a:lstStyle/>
+          <a:p>
+            <a:pPr algn="ctr"/>
+            <a:endParaRPr lang="zh-TW" altLang="en-US"/>
+          </a:p>
+        </p:txBody>
+      </p:sp>
+      <p:sp>
+        <p:nvSpPr>
+          <p:cNvPr id="9" name="橢圓 8">
+            <a:extLst>
+              <a:ext uri="{FF2B5EF4-FFF2-40B4-BE49-F238E27FC236}">
+                <a16:creationId xmlns:a16="http://schemas.microsoft.com/office/drawing/2014/main" id="{40D0F5EF-6990-4425-80E1-0542929ED675}"/>
+              </a:ext>
+            </a:extLst>
+          </p:cNvPr>
+          <p:cNvSpPr/>
+          <p:nvPr/>
+        </p:nvSpPr>
+        <p:spPr>
+          <a:xfrm>
+            <a:off x="3937000" y="1270000"/>
+            <a:ext cx="4318000" cy="4318000"/>
+          </a:xfrm>
+          <a:prstGeom prst="ellipse">
+            <a:avLst/>
+          </a:prstGeom>
+          <a:noFill/>
+          <a:ln w="76200">
+            <a:solidFill>
+              <a:schemeClr val="tx1"/>
+            </a:solidFill>
+          </a:ln>
+        </p:spPr>
+        <p:style>
+          <a:lnRef idx="2">
+            <a:schemeClr val="accent1">
+              <a:shade val="50000"/>
+            </a:schemeClr>
+          </a:lnRef>
+          <a:fillRef idx="1">
+            <a:schemeClr val="accent1"/>
+          </a:fillRef>
+          <a:effectRef idx="0">
+            <a:schemeClr val="accent1"/>
+          </a:effectRef>
+          <a:fontRef idx="minor">
+            <a:schemeClr val="lt1"/>
+          </a:fontRef>
+        </p:style>
+        <p:txBody>
+          <a:bodyPr rtlCol="0" anchor="ctr"/>
+          <a:lstStyle/>
+          <a:p>
+            <a:pPr algn="ctr"/>
+            <a:endParaRPr lang="zh-TW" altLang="en-US"/>
+          </a:p>
+        </p:txBody>
+      </p:sp>
+      <p:grpSp>
+        <p:nvGrpSpPr>
+          <p:cNvPr id="14" name="群組 13">
+            <a:extLst>
+              <a:ext uri="{FF2B5EF4-FFF2-40B4-BE49-F238E27FC236}">
+                <a16:creationId xmlns:a16="http://schemas.microsoft.com/office/drawing/2014/main" id="{F577E960-2AE0-484A-B8FB-C5D9A7405A82}"/>
+              </a:ext>
+            </a:extLst>
+          </p:cNvPr>
+          <p:cNvGrpSpPr/>
+          <p:nvPr/>
+        </p:nvGrpSpPr>
+        <p:grpSpPr>
+          <a:xfrm>
+            <a:off x="5861050" y="627063"/>
+            <a:ext cx="469900" cy="469900"/>
+            <a:chOff x="5861050" y="627063"/>
+            <a:chExt cx="469900" cy="469900"/>
+          </a:xfrm>
+        </p:grpSpPr>
+        <p:sp>
+          <p:nvSpPr>
+            <p:cNvPr id="7" name="橢圓 6">
+              <a:extLst>
+                <a:ext uri="{FF2B5EF4-FFF2-40B4-BE49-F238E27FC236}">
+                  <a16:creationId xmlns:a16="http://schemas.microsoft.com/office/drawing/2014/main" id="{72451DC1-4D27-404F-AB5E-D1CE816B3DB1}"/>
+                </a:ext>
+              </a:extLst>
+            </p:cNvPr>
+            <p:cNvSpPr/>
+            <p:nvPr/>
+          </p:nvSpPr>
+          <p:spPr>
+            <a:xfrm>
+              <a:off x="5861050" y="627063"/>
+              <a:ext cx="469900" cy="469900"/>
+            </a:xfrm>
+            <a:prstGeom prst="ellipse">
+              <a:avLst/>
+            </a:prstGeom>
+            <a:solidFill>
+              <a:srgbClr val="888888"/>
+            </a:solidFill>
+            <a:ln>
+              <a:solidFill>
+                <a:schemeClr val="tx1"/>
+              </a:solidFill>
+            </a:ln>
+          </p:spPr>
+          <p:style>
+            <a:lnRef idx="2">
+              <a:schemeClr val="accent1">
+                <a:shade val="50000"/>
+              </a:schemeClr>
+            </a:lnRef>
+            <a:fillRef idx="1">
+              <a:schemeClr val="accent1"/>
+            </a:fillRef>
+            <a:effectRef idx="0">
+              <a:schemeClr val="accent1"/>
+            </a:effectRef>
+            <a:fontRef idx="minor">
+              <a:schemeClr val="lt1"/>
+            </a:fontRef>
+          </p:style>
+          <p:txBody>
+            <a:bodyPr rtlCol="0" anchor="ctr"/>
+            <a:lstStyle/>
+            <a:p>
+              <a:pPr algn="ctr"/>
+              <a:endParaRPr lang="zh-TW" altLang="en-US"/>
+            </a:p>
+          </p:txBody>
+        </p:sp>
+        <p:sp>
+          <p:nvSpPr>
+            <p:cNvPr id="11" name="橢圓 10">
+              <a:extLst>
+                <a:ext uri="{FF2B5EF4-FFF2-40B4-BE49-F238E27FC236}">
+                  <a16:creationId xmlns:a16="http://schemas.microsoft.com/office/drawing/2014/main" id="{97532792-162C-47F7-96DD-D9398B70089F}"/>
+                </a:ext>
+              </a:extLst>
+            </p:cNvPr>
+            <p:cNvSpPr/>
+            <p:nvPr/>
+          </p:nvSpPr>
+          <p:spPr>
+            <a:xfrm>
+              <a:off x="5949950" y="715963"/>
+              <a:ext cx="292100" cy="292100"/>
+            </a:xfrm>
+            <a:prstGeom prst="ellipse">
+              <a:avLst/>
+            </a:prstGeom>
+            <a:solidFill>
+              <a:srgbClr val="5C5C5C"/>
+            </a:solidFill>
+            <a:ln>
+              <a:solidFill>
+                <a:schemeClr val="tx1"/>
+              </a:solidFill>
+            </a:ln>
+          </p:spPr>
+          <p:style>
+            <a:lnRef idx="2">
+              <a:schemeClr val="accent1">
+                <a:shade val="50000"/>
+              </a:schemeClr>
+            </a:lnRef>
+            <a:fillRef idx="1">
+              <a:schemeClr val="accent1"/>
+            </a:fillRef>
+            <a:effectRef idx="0">
+              <a:schemeClr val="accent1"/>
+            </a:effectRef>
+            <a:fontRef idx="minor">
+              <a:schemeClr val="lt1"/>
+            </a:fontRef>
+          </p:style>
+          <p:txBody>
+            <a:bodyPr rtlCol="0" anchor="ctr"/>
+            <a:lstStyle/>
+            <a:p>
+              <a:pPr algn="ctr"/>
+              <a:endParaRPr lang="zh-TW" altLang="en-US"/>
+            </a:p>
+          </p:txBody>
+        </p:sp>
+      </p:grpSp>
+      <p:grpSp>
+        <p:nvGrpSpPr>
+          <p:cNvPr id="10" name="群組 9">
+            <a:extLst>
+              <a:ext uri="{FF2B5EF4-FFF2-40B4-BE49-F238E27FC236}">
+                <a16:creationId xmlns:a16="http://schemas.microsoft.com/office/drawing/2014/main" id="{E4156223-156B-48D8-A5A8-4C4E4AF99C13}"/>
+              </a:ext>
+            </a:extLst>
+          </p:cNvPr>
+          <p:cNvGrpSpPr/>
+          <p:nvPr/>
+        </p:nvGrpSpPr>
+        <p:grpSpPr>
+          <a:xfrm>
+            <a:off x="5861050" y="5770562"/>
+            <a:ext cx="469900" cy="469900"/>
+            <a:chOff x="5861050" y="5761037"/>
+            <a:chExt cx="469900" cy="469900"/>
+          </a:xfrm>
+        </p:grpSpPr>
+        <p:sp>
+          <p:nvSpPr>
+            <p:cNvPr id="12" name="橢圓 11">
+              <a:extLst>
+                <a:ext uri="{FF2B5EF4-FFF2-40B4-BE49-F238E27FC236}">
+                  <a16:creationId xmlns:a16="http://schemas.microsoft.com/office/drawing/2014/main" id="{C92E56A3-5873-49B5-A337-353532669467}"/>
+                </a:ext>
+              </a:extLst>
+            </p:cNvPr>
+            <p:cNvSpPr/>
+            <p:nvPr/>
+          </p:nvSpPr>
+          <p:spPr>
+            <a:xfrm>
+              <a:off x="5861050" y="5761037"/>
+              <a:ext cx="469900" cy="469900"/>
+            </a:xfrm>
+            <a:prstGeom prst="ellipse">
+              <a:avLst/>
+            </a:prstGeom>
+            <a:solidFill>
+              <a:srgbClr val="888888"/>
+            </a:solidFill>
+            <a:ln>
+              <a:solidFill>
+                <a:schemeClr val="tx1"/>
+              </a:solidFill>
+            </a:ln>
+          </p:spPr>
+          <p:style>
+            <a:lnRef idx="2">
+              <a:schemeClr val="accent1">
+                <a:shade val="50000"/>
+              </a:schemeClr>
+            </a:lnRef>
+            <a:fillRef idx="1">
+              <a:schemeClr val="accent1"/>
+            </a:fillRef>
+            <a:effectRef idx="0">
+              <a:schemeClr val="accent1"/>
+            </a:effectRef>
+            <a:fontRef idx="minor">
+              <a:schemeClr val="lt1"/>
+            </a:fontRef>
+          </p:style>
+          <p:txBody>
+            <a:bodyPr rtlCol="0" anchor="ctr"/>
+            <a:lstStyle/>
+            <a:p>
+              <a:pPr algn="ctr"/>
+              <a:endParaRPr lang="zh-TW" altLang="en-US"/>
+            </a:p>
+          </p:txBody>
+        </p:sp>
+        <p:sp>
+          <p:nvSpPr>
+            <p:cNvPr id="13" name="橢圓 12">
+              <a:extLst>
+                <a:ext uri="{FF2B5EF4-FFF2-40B4-BE49-F238E27FC236}">
+                  <a16:creationId xmlns:a16="http://schemas.microsoft.com/office/drawing/2014/main" id="{5AA11F4B-1F3C-4BFA-8412-5DC0AEAFA7C4}"/>
+                </a:ext>
+              </a:extLst>
+            </p:cNvPr>
+            <p:cNvSpPr/>
+            <p:nvPr/>
+          </p:nvSpPr>
+          <p:spPr>
+            <a:xfrm>
+              <a:off x="5949950" y="5849937"/>
+              <a:ext cx="292100" cy="292100"/>
+            </a:xfrm>
+            <a:prstGeom prst="ellipse">
+              <a:avLst/>
+            </a:prstGeom>
+            <a:solidFill>
+              <a:srgbClr val="5C5C5C"/>
+            </a:solidFill>
+            <a:ln>
+              <a:solidFill>
+                <a:schemeClr val="tx1"/>
+              </a:solidFill>
+            </a:ln>
+          </p:spPr>
+          <p:style>
+            <a:lnRef idx="2">
+              <a:schemeClr val="accent1">
+                <a:shade val="50000"/>
+              </a:schemeClr>
+            </a:lnRef>
+            <a:fillRef idx="1">
+              <a:schemeClr val="accent1"/>
+            </a:fillRef>
+            <a:effectRef idx="0">
+              <a:schemeClr val="accent1"/>
+            </a:effectRef>
+            <a:fontRef idx="minor">
+              <a:schemeClr val="lt1"/>
+            </a:fontRef>
+          </p:style>
+          <p:txBody>
+            <a:bodyPr rtlCol="0" anchor="ctr"/>
+            <a:lstStyle/>
+            <a:p>
+              <a:pPr algn="ctr"/>
+              <a:endParaRPr lang="zh-TW" altLang="en-US"/>
+            </a:p>
+          </p:txBody>
+        </p:sp>
+      </p:grpSp>
+      <p:grpSp>
+        <p:nvGrpSpPr>
+          <p:cNvPr id="25" name="群組 24">
+            <a:extLst>
+              <a:ext uri="{FF2B5EF4-FFF2-40B4-BE49-F238E27FC236}">
+                <a16:creationId xmlns:a16="http://schemas.microsoft.com/office/drawing/2014/main" id="{7CB3E3C0-880B-455D-9BD2-359FCCAE7175}"/>
+              </a:ext>
+            </a:extLst>
+          </p:cNvPr>
+          <p:cNvGrpSpPr/>
+          <p:nvPr/>
+        </p:nvGrpSpPr>
+        <p:grpSpPr>
+          <a:xfrm>
+            <a:off x="8437562" y="3194050"/>
+            <a:ext cx="469900" cy="469900"/>
+            <a:chOff x="5861050" y="627063"/>
+            <a:chExt cx="469900" cy="469900"/>
+          </a:xfrm>
+        </p:grpSpPr>
+        <p:sp>
+          <p:nvSpPr>
+            <p:cNvPr id="26" name="橢圓 25">
+              <a:extLst>
+                <a:ext uri="{FF2B5EF4-FFF2-40B4-BE49-F238E27FC236}">
+                  <a16:creationId xmlns:a16="http://schemas.microsoft.com/office/drawing/2014/main" id="{460D177E-1A08-4C8A-A715-8C00FFA5CA94}"/>
+                </a:ext>
+              </a:extLst>
+            </p:cNvPr>
+            <p:cNvSpPr/>
+            <p:nvPr/>
+          </p:nvSpPr>
+          <p:spPr>
+            <a:xfrm>
+              <a:off x="5861050" y="627063"/>
+              <a:ext cx="469900" cy="469900"/>
+            </a:xfrm>
+            <a:prstGeom prst="ellipse">
+              <a:avLst/>
+            </a:prstGeom>
+            <a:solidFill>
+              <a:srgbClr val="888888"/>
+            </a:solidFill>
+            <a:ln>
+              <a:solidFill>
+                <a:schemeClr val="tx1"/>
+              </a:solidFill>
+            </a:ln>
+          </p:spPr>
+          <p:style>
+            <a:lnRef idx="2">
+              <a:schemeClr val="accent1">
+                <a:shade val="50000"/>
+              </a:schemeClr>
+            </a:lnRef>
+            <a:fillRef idx="1">
+              <a:schemeClr val="accent1"/>
+            </a:fillRef>
+            <a:effectRef idx="0">
+              <a:schemeClr val="accent1"/>
+            </a:effectRef>
+            <a:fontRef idx="minor">
+              <a:schemeClr val="lt1"/>
+            </a:fontRef>
+          </p:style>
+          <p:txBody>
+            <a:bodyPr rtlCol="0" anchor="ctr"/>
+            <a:lstStyle/>
+            <a:p>
+              <a:pPr algn="ctr"/>
+              <a:endParaRPr lang="zh-TW" altLang="en-US"/>
+            </a:p>
+          </p:txBody>
+        </p:sp>
+        <p:sp>
+          <p:nvSpPr>
+            <p:cNvPr id="27" name="橢圓 26">
+              <a:extLst>
+                <a:ext uri="{FF2B5EF4-FFF2-40B4-BE49-F238E27FC236}">
+                  <a16:creationId xmlns:a16="http://schemas.microsoft.com/office/drawing/2014/main" id="{8A290E6E-2259-4842-9206-7271E3B2FDC3}"/>
+                </a:ext>
+              </a:extLst>
+            </p:cNvPr>
+            <p:cNvSpPr/>
+            <p:nvPr/>
+          </p:nvSpPr>
+          <p:spPr>
+            <a:xfrm>
+              <a:off x="5949950" y="715963"/>
+              <a:ext cx="292100" cy="292100"/>
+            </a:xfrm>
+            <a:prstGeom prst="ellipse">
+              <a:avLst/>
+            </a:prstGeom>
+            <a:solidFill>
+              <a:srgbClr val="5C5C5C"/>
+            </a:solidFill>
+            <a:ln>
+              <a:solidFill>
+                <a:schemeClr val="tx1"/>
+              </a:solidFill>
+            </a:ln>
+          </p:spPr>
+          <p:style>
+            <a:lnRef idx="2">
+              <a:schemeClr val="accent1">
+                <a:shade val="50000"/>
+              </a:schemeClr>
+            </a:lnRef>
+            <a:fillRef idx="1">
+              <a:schemeClr val="accent1"/>
+            </a:fillRef>
+            <a:effectRef idx="0">
+              <a:schemeClr val="accent1"/>
+            </a:effectRef>
+            <a:fontRef idx="minor">
+              <a:schemeClr val="lt1"/>
+            </a:fontRef>
+          </p:style>
+          <p:txBody>
+            <a:bodyPr rtlCol="0" anchor="ctr"/>
+            <a:lstStyle/>
+            <a:p>
+              <a:pPr algn="ctr"/>
+              <a:endParaRPr lang="zh-TW" altLang="en-US"/>
+            </a:p>
+          </p:txBody>
+        </p:sp>
+      </p:grpSp>
+      <p:grpSp>
+        <p:nvGrpSpPr>
+          <p:cNvPr id="28" name="群組 27">
+            <a:extLst>
+              <a:ext uri="{FF2B5EF4-FFF2-40B4-BE49-F238E27FC236}">
+                <a16:creationId xmlns:a16="http://schemas.microsoft.com/office/drawing/2014/main" id="{2A703B94-883C-4703-A95E-BC53EDC412C7}"/>
+              </a:ext>
+            </a:extLst>
+          </p:cNvPr>
+          <p:cNvGrpSpPr/>
+          <p:nvPr/>
+        </p:nvGrpSpPr>
+        <p:grpSpPr>
+          <a:xfrm>
+            <a:off x="3284538" y="3194050"/>
+            <a:ext cx="469900" cy="469900"/>
+            <a:chOff x="5861050" y="627063"/>
+            <a:chExt cx="469900" cy="469900"/>
+          </a:xfrm>
+        </p:grpSpPr>
+        <p:sp>
+          <p:nvSpPr>
+            <p:cNvPr id="29" name="橢圓 28">
+              <a:extLst>
+                <a:ext uri="{FF2B5EF4-FFF2-40B4-BE49-F238E27FC236}">
+                  <a16:creationId xmlns:a16="http://schemas.microsoft.com/office/drawing/2014/main" id="{5B767DDA-7828-4B6E-997F-B9DA22C7DA8A}"/>
+                </a:ext>
+              </a:extLst>
+            </p:cNvPr>
+            <p:cNvSpPr/>
+            <p:nvPr/>
+          </p:nvSpPr>
+          <p:spPr>
+            <a:xfrm>
+              <a:off x="5861050" y="627063"/>
+              <a:ext cx="469900" cy="469900"/>
+            </a:xfrm>
+            <a:prstGeom prst="ellipse">
+              <a:avLst/>
+            </a:prstGeom>
+            <a:solidFill>
+              <a:srgbClr val="888888"/>
+            </a:solidFill>
+            <a:ln>
+              <a:solidFill>
+                <a:schemeClr val="tx1"/>
+              </a:solidFill>
+            </a:ln>
+          </p:spPr>
+          <p:style>
+            <a:lnRef idx="2">
+              <a:schemeClr val="accent1">
+                <a:shade val="50000"/>
+              </a:schemeClr>
+            </a:lnRef>
+            <a:fillRef idx="1">
+              <a:schemeClr val="accent1"/>
+            </a:fillRef>
+            <a:effectRef idx="0">
+              <a:schemeClr val="accent1"/>
+            </a:effectRef>
+            <a:fontRef idx="minor">
+              <a:schemeClr val="lt1"/>
+            </a:fontRef>
+          </p:style>
+          <p:txBody>
+            <a:bodyPr rtlCol="0" anchor="ctr"/>
+            <a:lstStyle/>
+            <a:p>
+              <a:pPr algn="ctr"/>
+              <a:endParaRPr lang="zh-TW" altLang="en-US"/>
+            </a:p>
+          </p:txBody>
+        </p:sp>
+        <p:sp>
+          <p:nvSpPr>
+            <p:cNvPr id="30" name="橢圓 29">
+              <a:extLst>
+                <a:ext uri="{FF2B5EF4-FFF2-40B4-BE49-F238E27FC236}">
+                  <a16:creationId xmlns:a16="http://schemas.microsoft.com/office/drawing/2014/main" id="{D4458F88-40E3-412C-824A-EF3A14231C38}"/>
+                </a:ext>
+              </a:extLst>
+            </p:cNvPr>
+            <p:cNvSpPr/>
+            <p:nvPr/>
+          </p:nvSpPr>
+          <p:spPr>
+            <a:xfrm>
+              <a:off x="5949950" y="715963"/>
+              <a:ext cx="292100" cy="292100"/>
+            </a:xfrm>
+            <a:prstGeom prst="ellipse">
+              <a:avLst/>
+            </a:prstGeom>
+            <a:solidFill>
+              <a:srgbClr val="5C5C5C"/>
+            </a:solidFill>
+            <a:ln>
+              <a:solidFill>
+                <a:schemeClr val="tx1"/>
+              </a:solidFill>
+            </a:ln>
+          </p:spPr>
+          <p:style>
+            <a:lnRef idx="2">
+              <a:schemeClr val="accent1">
+                <a:shade val="50000"/>
+              </a:schemeClr>
+            </a:lnRef>
+            <a:fillRef idx="1">
+              <a:schemeClr val="accent1"/>
+            </a:fillRef>
+            <a:effectRef idx="0">
+              <a:schemeClr val="accent1"/>
+            </a:effectRef>
+            <a:fontRef idx="minor">
+              <a:schemeClr val="lt1"/>
+            </a:fontRef>
+          </p:style>
+          <p:txBody>
+            <a:bodyPr rtlCol="0" anchor="ctr"/>
+            <a:lstStyle/>
+            <a:p>
+              <a:pPr algn="ctr"/>
+              <a:endParaRPr lang="zh-TW" altLang="en-US"/>
+            </a:p>
+          </p:txBody>
+        </p:sp>
+      </p:grpSp>
+      <p:grpSp>
+        <p:nvGrpSpPr>
+          <p:cNvPr id="31" name="群組 30">
+            <a:extLst>
+              <a:ext uri="{FF2B5EF4-FFF2-40B4-BE49-F238E27FC236}">
+                <a16:creationId xmlns:a16="http://schemas.microsoft.com/office/drawing/2014/main" id="{5D44E06C-1770-4030-A1D0-CC8F63317126}"/>
+              </a:ext>
+            </a:extLst>
+          </p:cNvPr>
+          <p:cNvGrpSpPr/>
+          <p:nvPr/>
+        </p:nvGrpSpPr>
+        <p:grpSpPr>
+          <a:xfrm>
+            <a:off x="7708900" y="4989512"/>
+            <a:ext cx="469900" cy="469900"/>
+            <a:chOff x="5861050" y="5761037"/>
+            <a:chExt cx="469900" cy="469900"/>
+          </a:xfrm>
+        </p:grpSpPr>
+        <p:sp>
+          <p:nvSpPr>
+            <p:cNvPr id="32" name="橢圓 31">
+              <a:extLst>
+                <a:ext uri="{FF2B5EF4-FFF2-40B4-BE49-F238E27FC236}">
+                  <a16:creationId xmlns:a16="http://schemas.microsoft.com/office/drawing/2014/main" id="{05BE3E12-F536-4158-8F3E-FECF75220C80}"/>
+                </a:ext>
+              </a:extLst>
+            </p:cNvPr>
+            <p:cNvSpPr/>
+            <p:nvPr/>
+          </p:nvSpPr>
+          <p:spPr>
+            <a:xfrm>
+              <a:off x="5861050" y="5761037"/>
+              <a:ext cx="469900" cy="469900"/>
+            </a:xfrm>
+            <a:prstGeom prst="ellipse">
+              <a:avLst/>
+            </a:prstGeom>
+            <a:solidFill>
+              <a:srgbClr val="888888"/>
+            </a:solidFill>
+            <a:ln>
+              <a:solidFill>
+                <a:schemeClr val="tx1"/>
+              </a:solidFill>
+            </a:ln>
+          </p:spPr>
+          <p:style>
+            <a:lnRef idx="2">
+              <a:schemeClr val="accent1">
+                <a:shade val="50000"/>
+              </a:schemeClr>
+            </a:lnRef>
+            <a:fillRef idx="1">
+              <a:schemeClr val="accent1"/>
+            </a:fillRef>
+            <a:effectRef idx="0">
+              <a:schemeClr val="accent1"/>
+            </a:effectRef>
+            <a:fontRef idx="minor">
+              <a:schemeClr val="lt1"/>
+            </a:fontRef>
+          </p:style>
+          <p:txBody>
+            <a:bodyPr rtlCol="0" anchor="ctr"/>
+            <a:lstStyle/>
+            <a:p>
+              <a:pPr algn="ctr"/>
+              <a:endParaRPr lang="zh-TW" altLang="en-US"/>
+            </a:p>
+          </p:txBody>
+        </p:sp>
+        <p:sp>
+          <p:nvSpPr>
+            <p:cNvPr id="33" name="橢圓 32">
+              <a:extLst>
+                <a:ext uri="{FF2B5EF4-FFF2-40B4-BE49-F238E27FC236}">
+                  <a16:creationId xmlns:a16="http://schemas.microsoft.com/office/drawing/2014/main" id="{F705D412-B8D1-448C-AADB-9680482FF300}"/>
+                </a:ext>
+              </a:extLst>
+            </p:cNvPr>
+            <p:cNvSpPr/>
+            <p:nvPr/>
+          </p:nvSpPr>
+          <p:spPr>
+            <a:xfrm>
+              <a:off x="5949950" y="5849937"/>
+              <a:ext cx="292100" cy="292100"/>
+            </a:xfrm>
+            <a:prstGeom prst="ellipse">
+              <a:avLst/>
+            </a:prstGeom>
+            <a:solidFill>
+              <a:srgbClr val="5C5C5C"/>
+            </a:solidFill>
+            <a:ln>
+              <a:solidFill>
+                <a:schemeClr val="tx1"/>
+              </a:solidFill>
+            </a:ln>
+          </p:spPr>
+          <p:style>
+            <a:lnRef idx="2">
+              <a:schemeClr val="accent1">
+                <a:shade val="50000"/>
+              </a:schemeClr>
+            </a:lnRef>
+            <a:fillRef idx="1">
+              <a:schemeClr val="accent1"/>
+            </a:fillRef>
+            <a:effectRef idx="0">
+              <a:schemeClr val="accent1"/>
+            </a:effectRef>
+            <a:fontRef idx="minor">
+              <a:schemeClr val="lt1"/>
+            </a:fontRef>
+          </p:style>
+          <p:txBody>
+            <a:bodyPr rtlCol="0" anchor="ctr"/>
+            <a:lstStyle/>
+            <a:p>
+              <a:pPr algn="ctr"/>
+              <a:endParaRPr lang="zh-TW" altLang="en-US"/>
+            </a:p>
+          </p:txBody>
+        </p:sp>
+      </p:grpSp>
+      <p:grpSp>
+        <p:nvGrpSpPr>
+          <p:cNvPr id="34" name="群組 33">
+            <a:extLst>
+              <a:ext uri="{FF2B5EF4-FFF2-40B4-BE49-F238E27FC236}">
+                <a16:creationId xmlns:a16="http://schemas.microsoft.com/office/drawing/2014/main" id="{089A8C0F-DF32-4105-8D50-425AA256B639}"/>
+              </a:ext>
+            </a:extLst>
+          </p:cNvPr>
+          <p:cNvGrpSpPr/>
+          <p:nvPr/>
+        </p:nvGrpSpPr>
+        <p:grpSpPr>
+          <a:xfrm>
+            <a:off x="7708900" y="1427162"/>
+            <a:ext cx="469900" cy="469900"/>
+            <a:chOff x="5861050" y="5761037"/>
+            <a:chExt cx="469900" cy="469900"/>
+          </a:xfrm>
+        </p:grpSpPr>
+        <p:sp>
+          <p:nvSpPr>
+            <p:cNvPr id="35" name="橢圓 34">
+              <a:extLst>
+                <a:ext uri="{FF2B5EF4-FFF2-40B4-BE49-F238E27FC236}">
+                  <a16:creationId xmlns:a16="http://schemas.microsoft.com/office/drawing/2014/main" id="{A94E1269-9E6F-4370-B989-B96FE79DD0FB}"/>
+                </a:ext>
+              </a:extLst>
+            </p:cNvPr>
+            <p:cNvSpPr/>
+            <p:nvPr/>
+          </p:nvSpPr>
+          <p:spPr>
+            <a:xfrm>
+              <a:off x="5861050" y="5761037"/>
+              <a:ext cx="469900" cy="469900"/>
+            </a:xfrm>
+            <a:prstGeom prst="ellipse">
+              <a:avLst/>
+            </a:prstGeom>
+            <a:solidFill>
+              <a:srgbClr val="888888"/>
+            </a:solidFill>
+            <a:ln>
+              <a:solidFill>
+                <a:schemeClr val="tx1"/>
+              </a:solidFill>
+            </a:ln>
+          </p:spPr>
+          <p:style>
+            <a:lnRef idx="2">
+              <a:schemeClr val="accent1">
+                <a:shade val="50000"/>
+              </a:schemeClr>
+            </a:lnRef>
+            <a:fillRef idx="1">
+              <a:schemeClr val="accent1"/>
+            </a:fillRef>
+            <a:effectRef idx="0">
+              <a:schemeClr val="accent1"/>
+            </a:effectRef>
+            <a:fontRef idx="minor">
+              <a:schemeClr val="lt1"/>
+            </a:fontRef>
+          </p:style>
+          <p:txBody>
+            <a:bodyPr rtlCol="0" anchor="ctr"/>
+            <a:lstStyle/>
+            <a:p>
+              <a:pPr algn="ctr"/>
+              <a:endParaRPr lang="zh-TW" altLang="en-US"/>
+            </a:p>
+          </p:txBody>
+        </p:sp>
+        <p:sp>
+          <p:nvSpPr>
+            <p:cNvPr id="36" name="橢圓 35">
+              <a:extLst>
+                <a:ext uri="{FF2B5EF4-FFF2-40B4-BE49-F238E27FC236}">
+                  <a16:creationId xmlns:a16="http://schemas.microsoft.com/office/drawing/2014/main" id="{F7FE81E7-DD1E-4401-8478-032F28C41C27}"/>
+                </a:ext>
+              </a:extLst>
+            </p:cNvPr>
+            <p:cNvSpPr/>
+            <p:nvPr/>
+          </p:nvSpPr>
+          <p:spPr>
+            <a:xfrm>
+              <a:off x="5949950" y="5849937"/>
+              <a:ext cx="292100" cy="292100"/>
+            </a:xfrm>
+            <a:prstGeom prst="ellipse">
+              <a:avLst/>
+            </a:prstGeom>
+            <a:solidFill>
+              <a:srgbClr val="5C5C5C"/>
+            </a:solidFill>
+            <a:ln>
+              <a:solidFill>
+                <a:schemeClr val="tx1"/>
+              </a:solidFill>
+            </a:ln>
+          </p:spPr>
+          <p:style>
+            <a:lnRef idx="2">
+              <a:schemeClr val="accent1">
+                <a:shade val="50000"/>
+              </a:schemeClr>
+            </a:lnRef>
+            <a:fillRef idx="1">
+              <a:schemeClr val="accent1"/>
+            </a:fillRef>
+            <a:effectRef idx="0">
+              <a:schemeClr val="accent1"/>
+            </a:effectRef>
+            <a:fontRef idx="minor">
+              <a:schemeClr val="lt1"/>
+            </a:fontRef>
+          </p:style>
+          <p:txBody>
+            <a:bodyPr rtlCol="0" anchor="ctr"/>
+            <a:lstStyle/>
+            <a:p>
+              <a:pPr algn="ctr"/>
+              <a:endParaRPr lang="zh-TW" altLang="en-US"/>
+            </a:p>
+          </p:txBody>
+        </p:sp>
+      </p:grpSp>
+      <p:grpSp>
+        <p:nvGrpSpPr>
+          <p:cNvPr id="37" name="群組 36">
+            <a:extLst>
+              <a:ext uri="{FF2B5EF4-FFF2-40B4-BE49-F238E27FC236}">
+                <a16:creationId xmlns:a16="http://schemas.microsoft.com/office/drawing/2014/main" id="{477510B3-9DA1-4C7A-9AFC-560E26E82B0D}"/>
+              </a:ext>
+            </a:extLst>
+          </p:cNvPr>
+          <p:cNvGrpSpPr/>
+          <p:nvPr/>
+        </p:nvGrpSpPr>
+        <p:grpSpPr>
+          <a:xfrm>
+            <a:off x="3994150" y="1427162"/>
+            <a:ext cx="469900" cy="469900"/>
+            <a:chOff x="5861050" y="5761037"/>
+            <a:chExt cx="469900" cy="469900"/>
+          </a:xfrm>
+        </p:grpSpPr>
+        <p:sp>
+          <p:nvSpPr>
+            <p:cNvPr id="38" name="橢圓 37">
+              <a:extLst>
+                <a:ext uri="{FF2B5EF4-FFF2-40B4-BE49-F238E27FC236}">
+                  <a16:creationId xmlns:a16="http://schemas.microsoft.com/office/drawing/2014/main" id="{47395DA6-C786-49AC-B502-400093C2B9C5}"/>
+                </a:ext>
+              </a:extLst>
+            </p:cNvPr>
+            <p:cNvSpPr/>
+            <p:nvPr/>
+          </p:nvSpPr>
+          <p:spPr>
+            <a:xfrm>
+              <a:off x="5861050" y="5761037"/>
+              <a:ext cx="469900" cy="469900"/>
+            </a:xfrm>
+            <a:prstGeom prst="ellipse">
+              <a:avLst/>
+            </a:prstGeom>
+            <a:solidFill>
+              <a:srgbClr val="888888"/>
+            </a:solidFill>
+            <a:ln>
+              <a:solidFill>
+                <a:schemeClr val="tx1"/>
+              </a:solidFill>
+            </a:ln>
+          </p:spPr>
+          <p:style>
+            <a:lnRef idx="2">
+              <a:schemeClr val="accent1">
+                <a:shade val="50000"/>
+              </a:schemeClr>
+            </a:lnRef>
+            <a:fillRef idx="1">
+              <a:schemeClr val="accent1"/>
+            </a:fillRef>
+            <a:effectRef idx="0">
+              <a:schemeClr val="accent1"/>
+            </a:effectRef>
+            <a:fontRef idx="minor">
+              <a:schemeClr val="lt1"/>
+            </a:fontRef>
+          </p:style>
+          <p:txBody>
+            <a:bodyPr rtlCol="0" anchor="ctr"/>
+            <a:lstStyle/>
+            <a:p>
+              <a:pPr algn="ctr"/>
+              <a:endParaRPr lang="zh-TW" altLang="en-US"/>
+            </a:p>
+          </p:txBody>
+        </p:sp>
+        <p:sp>
+          <p:nvSpPr>
+            <p:cNvPr id="39" name="橢圓 38">
+              <a:extLst>
+                <a:ext uri="{FF2B5EF4-FFF2-40B4-BE49-F238E27FC236}">
+                  <a16:creationId xmlns:a16="http://schemas.microsoft.com/office/drawing/2014/main" id="{A6DF0001-FCF2-4569-9572-05ECA68216C2}"/>
+                </a:ext>
+              </a:extLst>
+            </p:cNvPr>
+            <p:cNvSpPr/>
+            <p:nvPr/>
+          </p:nvSpPr>
+          <p:spPr>
+            <a:xfrm>
+              <a:off x="5949950" y="5849937"/>
+              <a:ext cx="292100" cy="292100"/>
+            </a:xfrm>
+            <a:prstGeom prst="ellipse">
+              <a:avLst/>
+            </a:prstGeom>
+            <a:solidFill>
+              <a:srgbClr val="5C5C5C"/>
+            </a:solidFill>
+            <a:ln>
+              <a:solidFill>
+                <a:schemeClr val="tx1"/>
+              </a:solidFill>
+            </a:ln>
+          </p:spPr>
+          <p:style>
+            <a:lnRef idx="2">
+              <a:schemeClr val="accent1">
+                <a:shade val="50000"/>
+              </a:schemeClr>
+            </a:lnRef>
+            <a:fillRef idx="1">
+              <a:schemeClr val="accent1"/>
+            </a:fillRef>
+            <a:effectRef idx="0">
+              <a:schemeClr val="accent1"/>
+            </a:effectRef>
+            <a:fontRef idx="minor">
+              <a:schemeClr val="lt1"/>
+            </a:fontRef>
+          </p:style>
+          <p:txBody>
+            <a:bodyPr rtlCol="0" anchor="ctr"/>
+            <a:lstStyle/>
+            <a:p>
+              <a:pPr algn="ctr"/>
+              <a:endParaRPr lang="zh-TW" altLang="en-US"/>
+            </a:p>
+          </p:txBody>
+        </p:sp>
+      </p:grpSp>
+      <p:grpSp>
+        <p:nvGrpSpPr>
+          <p:cNvPr id="40" name="群組 39">
+            <a:extLst>
+              <a:ext uri="{FF2B5EF4-FFF2-40B4-BE49-F238E27FC236}">
+                <a16:creationId xmlns:a16="http://schemas.microsoft.com/office/drawing/2014/main" id="{6B71F0B4-42F9-4881-96F4-0DB3E0645C9E}"/>
+              </a:ext>
+            </a:extLst>
+          </p:cNvPr>
+          <p:cNvGrpSpPr/>
+          <p:nvPr/>
+        </p:nvGrpSpPr>
+        <p:grpSpPr>
+          <a:xfrm>
+            <a:off x="3994150" y="5008562"/>
+            <a:ext cx="469900" cy="469900"/>
+            <a:chOff x="5861050" y="5761037"/>
+            <a:chExt cx="469900" cy="469900"/>
+          </a:xfrm>
+        </p:grpSpPr>
+        <p:sp>
+          <p:nvSpPr>
+            <p:cNvPr id="41" name="橢圓 40">
+              <a:extLst>
+                <a:ext uri="{FF2B5EF4-FFF2-40B4-BE49-F238E27FC236}">
+                  <a16:creationId xmlns:a16="http://schemas.microsoft.com/office/drawing/2014/main" id="{B2937D32-ED7E-4B87-A8DF-FD527FA6D893}"/>
+                </a:ext>
+              </a:extLst>
+            </p:cNvPr>
+            <p:cNvSpPr/>
+            <p:nvPr/>
+          </p:nvSpPr>
+          <p:spPr>
+            <a:xfrm>
+              <a:off x="5861050" y="5761037"/>
+              <a:ext cx="469900" cy="469900"/>
+            </a:xfrm>
+            <a:prstGeom prst="ellipse">
+              <a:avLst/>
+            </a:prstGeom>
+            <a:solidFill>
+              <a:srgbClr val="888888"/>
+            </a:solidFill>
+            <a:ln>
+              <a:solidFill>
+                <a:schemeClr val="tx1"/>
+              </a:solidFill>
+            </a:ln>
+          </p:spPr>
+          <p:style>
+            <a:lnRef idx="2">
+              <a:schemeClr val="accent1">
+                <a:shade val="50000"/>
+              </a:schemeClr>
+            </a:lnRef>
+            <a:fillRef idx="1">
+              <a:schemeClr val="accent1"/>
+            </a:fillRef>
+            <a:effectRef idx="0">
+              <a:schemeClr val="accent1"/>
+            </a:effectRef>
+            <a:fontRef idx="minor">
+              <a:schemeClr val="lt1"/>
+            </a:fontRef>
+          </p:style>
+          <p:txBody>
+            <a:bodyPr rtlCol="0" anchor="ctr"/>
+            <a:lstStyle/>
+            <a:p>
+              <a:pPr algn="ctr"/>
+              <a:endParaRPr lang="zh-TW" altLang="en-US"/>
+            </a:p>
+          </p:txBody>
+        </p:sp>
+        <p:sp>
+          <p:nvSpPr>
+            <p:cNvPr id="42" name="橢圓 41">
+              <a:extLst>
+                <a:ext uri="{FF2B5EF4-FFF2-40B4-BE49-F238E27FC236}">
+                  <a16:creationId xmlns:a16="http://schemas.microsoft.com/office/drawing/2014/main" id="{61529405-7ACF-409C-A2BF-1410B6E12A8A}"/>
+                </a:ext>
+              </a:extLst>
+            </p:cNvPr>
+            <p:cNvSpPr/>
+            <p:nvPr/>
+          </p:nvSpPr>
+          <p:spPr>
+            <a:xfrm>
+              <a:off x="5949950" y="5849937"/>
+              <a:ext cx="292100" cy="292100"/>
+            </a:xfrm>
+            <a:prstGeom prst="ellipse">
+              <a:avLst/>
+            </a:prstGeom>
+            <a:solidFill>
+              <a:srgbClr val="5C5C5C"/>
+            </a:solidFill>
+            <a:ln>
+              <a:solidFill>
+                <a:schemeClr val="tx1"/>
+              </a:solidFill>
+            </a:ln>
+          </p:spPr>
+          <p:style>
+            <a:lnRef idx="2">
+              <a:schemeClr val="accent1">
+                <a:shade val="50000"/>
+              </a:schemeClr>
+            </a:lnRef>
+            <a:fillRef idx="1">
+              <a:schemeClr val="accent1"/>
+            </a:fillRef>
+            <a:effectRef idx="0">
+              <a:schemeClr val="accent1"/>
+            </a:effectRef>
+            <a:fontRef idx="minor">
+              <a:schemeClr val="lt1"/>
+            </a:fontRef>
+          </p:style>
+          <p:txBody>
+            <a:bodyPr rtlCol="0" anchor="ctr"/>
+            <a:lstStyle/>
+            <a:p>
+              <a:pPr algn="ctr"/>
+              <a:endParaRPr lang="zh-TW" altLang="en-US"/>
+            </a:p>
+          </p:txBody>
+        </p:sp>
+      </p:grpSp>
+    </p:spTree>
+    <p:extLst>
+      <p:ext uri="{BB962C8B-B14F-4D97-AF65-F5344CB8AC3E}">
+        <p14:creationId xmlns:p14="http://schemas.microsoft.com/office/powerpoint/2010/main" val="2385051867"/>
+      </p:ext>
+    </p:extLst>
+  </p:cSld>
+  <p:clrMapOvr>
+    <a:masterClrMapping/>
+  </p:clrMapOvr>
+</p:sld>
+</file>
+
 <file path=ppt/theme/theme1.xml><?xml version="1.0" encoding="utf-8"?>
 <a:theme xmlns:a="http://schemas.openxmlformats.org/drawingml/2006/main" name="Office 佈景主題">
   <a:themeElements>
@@ -4602,4 +8194,299 @@
     </a:ext>
   </a:extLst>
 </a:theme>
+</file>
+
+<file path=ppt/theme/theme2.xml><?xml version="1.0" encoding="utf-8"?>
+<a:theme xmlns:a="http://schemas.openxmlformats.org/drawingml/2006/main" name="Office 佈景主題">
+  <a:themeElements>
+    <a:clrScheme name="Office">
+      <a:dk1>
+        <a:sysClr val="windowText" lastClr="000000"/>
+      </a:dk1>
+      <a:lt1>
+        <a:sysClr val="window" lastClr="FFFFFF"/>
+      </a:lt1>
+      <a:dk2>
+        <a:srgbClr val="44546A"/>
+      </a:dk2>
+      <a:lt2>
+        <a:srgbClr val="E7E6E6"/>
+      </a:lt2>
+      <a:accent1>
+        <a:srgbClr val="4472C4"/>
+      </a:accent1>
+      <a:accent2>
+        <a:srgbClr val="ED7D31"/>
+      </a:accent2>
+      <a:accent3>
+        <a:srgbClr val="A5A5A5"/>
+      </a:accent3>
+      <a:accent4>
+        <a:srgbClr val="FFC000"/>
+      </a:accent4>
+      <a:accent5>
+        <a:srgbClr val="5B9BD5"/>
+      </a:accent5>
+      <a:accent6>
+        <a:srgbClr val="70AD47"/>
+      </a:accent6>
+      <a:hlink>
+        <a:srgbClr val="0563C1"/>
+      </a:hlink>
+      <a:folHlink>
+        <a:srgbClr val="954F72"/>
+      </a:folHlink>
+    </a:clrScheme>
+    <a:fontScheme name="Office">
+      <a:majorFont>
+        <a:latin typeface="Calibri Light" panose="020F0302020204030204"/>
+        <a:ea typeface=""/>
+        <a:cs typeface=""/>
+        <a:font script="Jpan" typeface="游ゴシック Light"/>
+        <a:font script="Hang" typeface="맑은 고딕"/>
+        <a:font script="Hans" typeface="等线 Light"/>
+        <a:font script="Hant" typeface="新細明體"/>
+        <a:font script="Arab" typeface="Times New Roman"/>
+        <a:font script="Hebr" typeface="Times New Roman"/>
+        <a:font script="Thai" typeface="Angsana New"/>
+        <a:font script="Ethi" typeface="Nyala"/>
+        <a:font script="Beng" typeface="Vrinda"/>
+        <a:font script="Gujr" typeface="Shruti"/>
+        <a:font script="Khmr" typeface="MoolBoran"/>
+        <a:font script="Knda" typeface="Tunga"/>
+        <a:font script="Guru" typeface="Raavi"/>
+        <a:font script="Cans" typeface="Euphemia"/>
+        <a:font script="Cher" typeface="Plantagenet Cherokee"/>
+        <a:font script="Yiii" typeface="Microsoft Yi Baiti"/>
+        <a:font script="Tibt" typeface="Microsoft Himalaya"/>
+        <a:font script="Thaa" typeface="MV Boli"/>
+        <a:font script="Deva" typeface="Mangal"/>
+        <a:font script="Telu" typeface="Gautami"/>
+        <a:font script="Taml" typeface="Latha"/>
+        <a:font script="Syrc" typeface="Estrangelo Edessa"/>
+        <a:font script="Orya" typeface="Kalinga"/>
+        <a:font script="Mlym" typeface="Kartika"/>
+        <a:font script="Laoo" typeface="DokChampa"/>
+        <a:font script="Sinh" typeface="Iskoola Pota"/>
+        <a:font script="Mong" typeface="Mongolian Baiti"/>
+        <a:font script="Viet" typeface="Times New Roman"/>
+        <a:font script="Uigh" typeface="Microsoft Uighur"/>
+        <a:font script="Geor" typeface="Sylfaen"/>
+        <a:font script="Armn" typeface="Arial"/>
+        <a:font script="Bugi" typeface="Leelawadee UI"/>
+        <a:font script="Bopo" typeface="Microsoft JhengHei"/>
+        <a:font script="Java" typeface="Javanese Text"/>
+        <a:font script="Lisu" typeface="Segoe UI"/>
+        <a:font script="Mymr" typeface="Myanmar Text"/>
+        <a:font script="Nkoo" typeface="Ebrima"/>
+        <a:font script="Olck" typeface="Nirmala UI"/>
+        <a:font script="Osma" typeface="Ebrima"/>
+        <a:font script="Phag" typeface="Phagspa"/>
+        <a:font script="Syrn" typeface="Estrangelo Edessa"/>
+        <a:font script="Syrj" typeface="Estrangelo Edessa"/>
+        <a:font script="Syre" typeface="Estrangelo Edessa"/>
+        <a:font script="Sora" typeface="Nirmala UI"/>
+        <a:font script="Tale" typeface="Microsoft Tai Le"/>
+        <a:font script="Talu" typeface="Microsoft New Tai Lue"/>
+        <a:font script="Tfng" typeface="Ebrima"/>
+      </a:majorFont>
+      <a:minorFont>
+        <a:latin typeface="Calibri" panose="020F0502020204030204"/>
+        <a:ea typeface=""/>
+        <a:cs typeface=""/>
+        <a:font script="Jpan" typeface="游ゴシック"/>
+        <a:font script="Hang" typeface="맑은 고딕"/>
+        <a:font script="Hans" typeface="等线"/>
+        <a:font script="Hant" typeface="新細明體"/>
+        <a:font script="Arab" typeface="Arial"/>
+        <a:font script="Hebr" typeface="Arial"/>
+        <a:font script="Thai" typeface="Cordia New"/>
+        <a:font script="Ethi" typeface="Nyala"/>
+        <a:font script="Beng" typeface="Vrinda"/>
+        <a:font script="Gujr" typeface="Shruti"/>
+        <a:font script="Khmr" typeface="DaunPenh"/>
+        <a:font script="Knda" typeface="Tunga"/>
+        <a:font script="Guru" typeface="Raavi"/>
+        <a:font script="Cans" typeface="Euphemia"/>
+        <a:font script="Cher" typeface="Plantagenet Cherokee"/>
+        <a:font script="Yiii" typeface="Microsoft Yi Baiti"/>
+        <a:font script="Tibt" typeface="Microsoft Himalaya"/>
+        <a:font script="Thaa" typeface="MV Boli"/>
+        <a:font script="Deva" typeface="Mangal"/>
+        <a:font script="Telu" typeface="Gautami"/>
+        <a:font script="Taml" typeface="Latha"/>
+        <a:font script="Syrc" typeface="Estrangelo Edessa"/>
+        <a:font script="Orya" typeface="Kalinga"/>
+        <a:font script="Mlym" typeface="Kartika"/>
+        <a:font script="Laoo" typeface="DokChampa"/>
+        <a:font script="Sinh" typeface="Iskoola Pota"/>
+        <a:font script="Mong" typeface="Mongolian Baiti"/>
+        <a:font script="Viet" typeface="Arial"/>
+        <a:font script="Uigh" typeface="Microsoft Uighur"/>
+        <a:font script="Geor" typeface="Sylfaen"/>
+        <a:font script="Armn" typeface="Arial"/>
+        <a:font script="Bugi" typeface="Leelawadee UI"/>
+        <a:font script="Bopo" typeface="Microsoft JhengHei"/>
+        <a:font script="Java" typeface="Javanese Text"/>
+        <a:font script="Lisu" typeface="Segoe UI"/>
+        <a:font script="Mymr" typeface="Myanmar Text"/>
+        <a:font script="Nkoo" typeface="Ebrima"/>
+        <a:font script="Olck" typeface="Nirmala UI"/>
+        <a:font script="Osma" typeface="Ebrima"/>
+        <a:font script="Phag" typeface="Phagspa"/>
+        <a:font script="Syrn" typeface="Estrangelo Edessa"/>
+        <a:font script="Syrj" typeface="Estrangelo Edessa"/>
+        <a:font script="Syre" typeface="Estrangelo Edessa"/>
+        <a:font script="Sora" typeface="Nirmala UI"/>
+        <a:font script="Tale" typeface="Microsoft Tai Le"/>
+        <a:font script="Talu" typeface="Microsoft New Tai Lue"/>
+        <a:font script="Tfng" typeface="Ebrima"/>
+      </a:minorFont>
+    </a:fontScheme>
+    <a:fmtScheme name="Office">
+      <a:fillStyleLst>
+        <a:solidFill>
+          <a:schemeClr val="phClr"/>
+        </a:solidFill>
+        <a:gradFill rotWithShape="1">
+          <a:gsLst>
+            <a:gs pos="0">
+              <a:schemeClr val="phClr">
+                <a:lumMod val="110000"/>
+                <a:satMod val="105000"/>
+                <a:tint val="67000"/>
+              </a:schemeClr>
+            </a:gs>
+            <a:gs pos="50000">
+              <a:schemeClr val="phClr">
+                <a:lumMod val="105000"/>
+                <a:satMod val="103000"/>
+                <a:tint val="73000"/>
+              </a:schemeClr>
+            </a:gs>
+            <a:gs pos="100000">
+              <a:schemeClr val="phClr">
+                <a:lumMod val="105000"/>
+                <a:satMod val="109000"/>
+                <a:tint val="81000"/>
+              </a:schemeClr>
+            </a:gs>
+          </a:gsLst>
+          <a:lin ang="5400000" scaled="0"/>
+        </a:gradFill>
+        <a:gradFill rotWithShape="1">
+          <a:gsLst>
+            <a:gs pos="0">
+              <a:schemeClr val="phClr">
+                <a:satMod val="103000"/>
+                <a:lumMod val="102000"/>
+                <a:tint val="94000"/>
+              </a:schemeClr>
+            </a:gs>
+            <a:gs pos="50000">
+              <a:schemeClr val="phClr">
+                <a:satMod val="110000"/>
+                <a:lumMod val="100000"/>
+                <a:shade val="100000"/>
+              </a:schemeClr>
+            </a:gs>
+            <a:gs pos="100000">
+              <a:schemeClr val="phClr">
+                <a:lumMod val="99000"/>
+                <a:satMod val="120000"/>
+                <a:shade val="78000"/>
+              </a:schemeClr>
+            </a:gs>
+          </a:gsLst>
+          <a:lin ang="5400000" scaled="0"/>
+        </a:gradFill>
+      </a:fillStyleLst>
+      <a:lnStyleLst>
+        <a:ln w="6350" cap="flat" cmpd="sng" algn="ctr">
+          <a:solidFill>
+            <a:schemeClr val="phClr"/>
+          </a:solidFill>
+          <a:prstDash val="solid"/>
+          <a:miter lim="800000"/>
+        </a:ln>
+        <a:ln w="12700" cap="flat" cmpd="sng" algn="ctr">
+          <a:solidFill>
+            <a:schemeClr val="phClr"/>
+          </a:solidFill>
+          <a:prstDash val="solid"/>
+          <a:miter lim="800000"/>
+        </a:ln>
+        <a:ln w="19050" cap="flat" cmpd="sng" algn="ctr">
+          <a:solidFill>
+            <a:schemeClr val="phClr"/>
+          </a:solidFill>
+          <a:prstDash val="solid"/>
+          <a:miter lim="800000"/>
+        </a:ln>
+      </a:lnStyleLst>
+      <a:effectStyleLst>
+        <a:effectStyle>
+          <a:effectLst/>
+        </a:effectStyle>
+        <a:effectStyle>
+          <a:effectLst/>
+        </a:effectStyle>
+        <a:effectStyle>
+          <a:effectLst>
+            <a:outerShdw blurRad="57150" dist="19050" dir="5400000" algn="ctr" rotWithShape="0">
+              <a:srgbClr val="000000">
+                <a:alpha val="63000"/>
+              </a:srgbClr>
+            </a:outerShdw>
+          </a:effectLst>
+        </a:effectStyle>
+      </a:effectStyleLst>
+      <a:bgFillStyleLst>
+        <a:solidFill>
+          <a:schemeClr val="phClr"/>
+        </a:solidFill>
+        <a:solidFill>
+          <a:schemeClr val="phClr">
+            <a:tint val="95000"/>
+            <a:satMod val="170000"/>
+          </a:schemeClr>
+        </a:solidFill>
+        <a:gradFill rotWithShape="1">
+          <a:gsLst>
+            <a:gs pos="0">
+              <a:schemeClr val="phClr">
+                <a:tint val="93000"/>
+                <a:satMod val="150000"/>
+                <a:shade val="98000"/>
+                <a:lumMod val="102000"/>
+              </a:schemeClr>
+            </a:gs>
+            <a:gs pos="50000">
+              <a:schemeClr val="phClr">
+                <a:tint val="98000"/>
+                <a:satMod val="130000"/>
+                <a:shade val="90000"/>
+                <a:lumMod val="103000"/>
+              </a:schemeClr>
+            </a:gs>
+            <a:gs pos="100000">
+              <a:schemeClr val="phClr">
+                <a:shade val="63000"/>
+                <a:satMod val="120000"/>
+              </a:schemeClr>
+            </a:gs>
+          </a:gsLst>
+          <a:lin ang="5400000" scaled="0"/>
+        </a:gradFill>
+      </a:bgFillStyleLst>
+    </a:fmtScheme>
+  </a:themeElements>
+  <a:objectDefaults/>
+  <a:extraClrSchemeLst/>
+  <a:extLst>
+    <a:ext uri="{05A4C25C-085E-4340-85A3-A5531E510DB2}">
+      <thm15:themeFamily xmlns:thm15="http://schemas.microsoft.com/office/thememl/2012/main" name="Office Theme" id="{62F939B6-93AF-4DB8-9C6B-D6C7DFDC589F}" vid="{4A3C46E8-61CC-4603-A589-7422A47A8E4A}"/>
+    </a:ext>
+  </a:extLst>
+</a:theme>
 </file>